--- a/Documents/GamePresentation1.pptx
+++ b/Documents/GamePresentation1.pptx
@@ -6,6 +6,14 @@
   </p:sldMasterIdLst>
   <p:sldIdLst>
     <p:sldId id="256" r:id="rId2"/>
+    <p:sldId id="257" r:id="rId3"/>
+    <p:sldId id="258" r:id="rId4"/>
+    <p:sldId id="263" r:id="rId5"/>
+    <p:sldId id="264" r:id="rId6"/>
+    <p:sldId id="262" r:id="rId7"/>
+    <p:sldId id="259" r:id="rId8"/>
+    <p:sldId id="260" r:id="rId9"/>
+    <p:sldId id="261" r:id="rId10"/>
   </p:sldIdLst>
   <p:sldSz cx="12192000" cy="6858000"/>
   <p:notesSz cx="6858000" cy="9144000"/>
@@ -104,6 +112,11 @@
       </a:defRPr>
     </a:lvl9pPr>
   </p:defaultTextStyle>
+  <p:extLst>
+    <p:ext uri="{EFAFB233-063F-42B5-8137-9DF3F51BA10A}">
+      <p15:sldGuideLst xmlns:p15="http://schemas.microsoft.com/office/powerpoint/2012/main"/>
+    </p:ext>
+  </p:extLst>
 </p:presentation>
 </file>
 
@@ -254,7 +267,7 @@
           <a:p>
             <a:fld id="{9A2EE3D1-EA3F-4F26-B160-E14797CA48BD}" type="datetimeFigureOut">
               <a:rPr lang="en-US" smtClean="0"/>
-              <a:t>2/12/2019</a:t>
+              <a:t>2/18/2019</a:t>
             </a:fld>
             <a:endParaRPr lang="en-US"/>
           </a:p>
@@ -452,7 +465,7 @@
           <a:p>
             <a:fld id="{9A2EE3D1-EA3F-4F26-B160-E14797CA48BD}" type="datetimeFigureOut">
               <a:rPr lang="en-US" smtClean="0"/>
-              <a:t>2/12/2019</a:t>
+              <a:t>2/18/2019</a:t>
             </a:fld>
             <a:endParaRPr lang="en-US"/>
           </a:p>
@@ -660,7 +673,7 @@
           <a:p>
             <a:fld id="{9A2EE3D1-EA3F-4F26-B160-E14797CA48BD}" type="datetimeFigureOut">
               <a:rPr lang="en-US" smtClean="0"/>
-              <a:t>2/12/2019</a:t>
+              <a:t>2/18/2019</a:t>
             </a:fld>
             <a:endParaRPr lang="en-US"/>
           </a:p>
@@ -858,7 +871,7 @@
           <a:p>
             <a:fld id="{9A2EE3D1-EA3F-4F26-B160-E14797CA48BD}" type="datetimeFigureOut">
               <a:rPr lang="en-US" smtClean="0"/>
-              <a:t>2/12/2019</a:t>
+              <a:t>2/18/2019</a:t>
             </a:fld>
             <a:endParaRPr lang="en-US"/>
           </a:p>
@@ -1133,7 +1146,7 @@
           <a:p>
             <a:fld id="{9A2EE3D1-EA3F-4F26-B160-E14797CA48BD}" type="datetimeFigureOut">
               <a:rPr lang="en-US" smtClean="0"/>
-              <a:t>2/12/2019</a:t>
+              <a:t>2/18/2019</a:t>
             </a:fld>
             <a:endParaRPr lang="en-US"/>
           </a:p>
@@ -1398,7 +1411,7 @@
           <a:p>
             <a:fld id="{9A2EE3D1-EA3F-4F26-B160-E14797CA48BD}" type="datetimeFigureOut">
               <a:rPr lang="en-US" smtClean="0"/>
-              <a:t>2/12/2019</a:t>
+              <a:t>2/18/2019</a:t>
             </a:fld>
             <a:endParaRPr lang="en-US"/>
           </a:p>
@@ -1810,7 +1823,7 @@
           <a:p>
             <a:fld id="{9A2EE3D1-EA3F-4F26-B160-E14797CA48BD}" type="datetimeFigureOut">
               <a:rPr lang="en-US" smtClean="0"/>
-              <a:t>2/12/2019</a:t>
+              <a:t>2/18/2019</a:t>
             </a:fld>
             <a:endParaRPr lang="en-US"/>
           </a:p>
@@ -1951,7 +1964,7 @@
           <a:p>
             <a:fld id="{9A2EE3D1-EA3F-4F26-B160-E14797CA48BD}" type="datetimeFigureOut">
               <a:rPr lang="en-US" smtClean="0"/>
-              <a:t>2/12/2019</a:t>
+              <a:t>2/18/2019</a:t>
             </a:fld>
             <a:endParaRPr lang="en-US"/>
           </a:p>
@@ -2064,7 +2077,7 @@
           <a:p>
             <a:fld id="{9A2EE3D1-EA3F-4F26-B160-E14797CA48BD}" type="datetimeFigureOut">
               <a:rPr lang="en-US" smtClean="0"/>
-              <a:t>2/12/2019</a:t>
+              <a:t>2/18/2019</a:t>
             </a:fld>
             <a:endParaRPr lang="en-US"/>
           </a:p>
@@ -2375,7 +2388,7 @@
           <a:p>
             <a:fld id="{9A2EE3D1-EA3F-4F26-B160-E14797CA48BD}" type="datetimeFigureOut">
               <a:rPr lang="en-US" smtClean="0"/>
-              <a:t>2/12/2019</a:t>
+              <a:t>2/18/2019</a:t>
             </a:fld>
             <a:endParaRPr lang="en-US"/>
           </a:p>
@@ -2663,7 +2676,7 @@
           <a:p>
             <a:fld id="{9A2EE3D1-EA3F-4F26-B160-E14797CA48BD}" type="datetimeFigureOut">
               <a:rPr lang="en-US" smtClean="0"/>
-              <a:t>2/12/2019</a:t>
+              <a:t>2/18/2019</a:t>
             </a:fld>
             <a:endParaRPr lang="en-US"/>
           </a:p>
@@ -2904,7 +2917,7 @@
           <a:p>
             <a:fld id="{9A2EE3D1-EA3F-4F26-B160-E14797CA48BD}" type="datetimeFigureOut">
               <a:rPr lang="en-US" smtClean="0"/>
-              <a:t>2/12/2019</a:t>
+              <a:t>2/18/2019</a:t>
             </a:fld>
             <a:endParaRPr lang="en-US"/>
           </a:p>
@@ -3371,10 +3384,1789 @@
           </a:prstGeom>
         </p:spPr>
       </p:pic>
+      <p:sp>
+        <p:nvSpPr>
+          <p:cNvPr id="2" name="TextBox 1">
+            <a:extLst>
+              <a:ext uri="{FF2B5EF4-FFF2-40B4-BE49-F238E27FC236}">
+                <a16:creationId xmlns:a16="http://schemas.microsoft.com/office/drawing/2014/main" id="{85290C88-C966-4F52-93E9-359FFA92144D}"/>
+              </a:ext>
+            </a:extLst>
+          </p:cNvPr>
+          <p:cNvSpPr txBox="1"/>
+          <p:nvPr/>
+        </p:nvSpPr>
+        <p:spPr>
+          <a:xfrm>
+            <a:off x="3914348" y="4301066"/>
+            <a:ext cx="4363310" cy="523220"/>
+          </a:xfrm>
+          <a:prstGeom prst="rect">
+            <a:avLst/>
+          </a:prstGeom>
+          <a:noFill/>
+        </p:spPr>
+        <p:txBody>
+          <a:bodyPr wrap="none" rtlCol="0">
+            <a:spAutoFit/>
+          </a:bodyPr>
+          <a:lstStyle/>
+          <a:p>
+            <a:pPr algn="ctr"/>
+            <a:r>
+              <a:rPr lang="en-US" sz="2800" dirty="0"/>
+              <a:t>A Game by Greg VanKampen</a:t>
+            </a:r>
+          </a:p>
+        </p:txBody>
+      </p:sp>
     </p:spTree>
     <p:extLst>
       <p:ext uri="{BB962C8B-B14F-4D97-AF65-F5344CB8AC3E}">
         <p14:creationId xmlns:p14="http://schemas.microsoft.com/office/powerpoint/2010/main" val="3708763945"/>
+      </p:ext>
+    </p:extLst>
+  </p:cSld>
+  <p:clrMapOvr>
+    <a:masterClrMapping/>
+  </p:clrMapOvr>
+</p:sld>
+</file>
+
+<file path=ppt/slides/slide2.xml><?xml version="1.0" encoding="utf-8"?>
+<p:sld xmlns:a="http://schemas.openxmlformats.org/drawingml/2006/main" xmlns:r="http://schemas.openxmlformats.org/officeDocument/2006/relationships" xmlns:p="http://schemas.openxmlformats.org/presentationml/2006/main">
+  <p:cSld>
+    <p:bg>
+      <p:bgPr>
+        <a:blipFill dpi="0" rotWithShape="1">
+          <a:blip r:embed="rId2">
+            <a:lum/>
+          </a:blip>
+          <a:srcRect/>
+          <a:stretch>
+            <a:fillRect/>
+          </a:stretch>
+        </a:blipFill>
+        <a:effectLst/>
+      </p:bgPr>
+    </p:bg>
+    <p:spTree>
+      <p:nvGrpSpPr>
+        <p:cNvPr id="1" name=""/>
+        <p:cNvGrpSpPr/>
+        <p:nvPr/>
+      </p:nvGrpSpPr>
+      <p:grpSpPr>
+        <a:xfrm>
+          <a:off x="0" y="0"/>
+          <a:ext cx="0" cy="0"/>
+          <a:chOff x="0" y="0"/>
+          <a:chExt cx="0" cy="0"/>
+        </a:xfrm>
+      </p:grpSpPr>
+      <p:sp>
+        <p:nvSpPr>
+          <p:cNvPr id="2" name="Title 1">
+            <a:extLst>
+              <a:ext uri="{FF2B5EF4-FFF2-40B4-BE49-F238E27FC236}">
+                <a16:creationId xmlns:a16="http://schemas.microsoft.com/office/drawing/2014/main" id="{E5DB21F2-1ADC-4C0C-B564-5518006E33E8}"/>
+              </a:ext>
+            </a:extLst>
+          </p:cNvPr>
+          <p:cNvSpPr>
+            <a:spLocks noGrp="1"/>
+          </p:cNvSpPr>
+          <p:nvPr>
+            <p:ph type="title"/>
+          </p:nvPr>
+        </p:nvSpPr>
+        <p:spPr/>
+        <p:txBody>
+          <a:bodyPr>
+            <a:normAutofit/>
+          </a:bodyPr>
+          <a:lstStyle/>
+          <a:p>
+            <a:r>
+              <a:rPr lang="en-US" sz="4000" dirty="0">
+                <a:latin typeface="AcmeFont" pitchFamily="2" charset="0"/>
+              </a:rPr>
+              <a:t>What is a “Pibblie Pum”?</a:t>
+            </a:r>
+          </a:p>
+        </p:txBody>
+      </p:sp>
+      <p:sp>
+        <p:nvSpPr>
+          <p:cNvPr id="3" name="Content Placeholder 2">
+            <a:extLst>
+              <a:ext uri="{FF2B5EF4-FFF2-40B4-BE49-F238E27FC236}">
+                <a16:creationId xmlns:a16="http://schemas.microsoft.com/office/drawing/2014/main" id="{65D80337-7090-4F6E-84F7-A0D08C215CD2}"/>
+              </a:ext>
+            </a:extLst>
+          </p:cNvPr>
+          <p:cNvSpPr>
+            <a:spLocks noGrp="1"/>
+          </p:cNvSpPr>
+          <p:nvPr>
+            <p:ph idx="1"/>
+          </p:nvPr>
+        </p:nvSpPr>
+        <p:spPr/>
+        <p:txBody>
+          <a:bodyPr/>
+          <a:lstStyle/>
+          <a:p>
+            <a:r>
+              <a:rPr lang="en-US" dirty="0"/>
+              <a:t>A Pibblie Pum is a virtual pet that you must care for.</a:t>
+            </a:r>
+          </a:p>
+          <a:p>
+            <a:r>
+              <a:rPr lang="en-US" dirty="0"/>
+              <a:t>You will need</a:t>
+            </a:r>
+          </a:p>
+          <a:p>
+            <a:pPr lvl="1"/>
+            <a:r>
+              <a:rPr lang="en-US" dirty="0"/>
+              <a:t>to feed them</a:t>
+            </a:r>
+          </a:p>
+          <a:p>
+            <a:pPr lvl="1"/>
+            <a:r>
+              <a:rPr lang="en-US" dirty="0"/>
+              <a:t>play with them</a:t>
+            </a:r>
+          </a:p>
+          <a:p>
+            <a:pPr lvl="1"/>
+            <a:r>
+              <a:rPr lang="en-US" dirty="0"/>
+              <a:t>and care for them</a:t>
+            </a:r>
+          </a:p>
+          <a:p>
+            <a:r>
+              <a:rPr lang="en-US" dirty="0"/>
+              <a:t>Watch your pet grow older in real time.</a:t>
+            </a:r>
+          </a:p>
+          <a:p>
+            <a:r>
+              <a:rPr lang="en-US" dirty="0"/>
+              <a:t>If you treat your pet well enough, they may even evolve.</a:t>
+            </a:r>
+          </a:p>
+          <a:p>
+            <a:endParaRPr lang="en-US" dirty="0"/>
+          </a:p>
+          <a:p>
+            <a:endParaRPr lang="en-US" dirty="0"/>
+          </a:p>
+        </p:txBody>
+      </p:sp>
+    </p:spTree>
+    <p:extLst>
+      <p:ext uri="{BB962C8B-B14F-4D97-AF65-F5344CB8AC3E}">
+        <p14:creationId xmlns:p14="http://schemas.microsoft.com/office/powerpoint/2010/main" val="1580512953"/>
+      </p:ext>
+    </p:extLst>
+  </p:cSld>
+  <p:clrMapOvr>
+    <a:masterClrMapping/>
+  </p:clrMapOvr>
+</p:sld>
+</file>
+
+<file path=ppt/slides/slide3.xml><?xml version="1.0" encoding="utf-8"?>
+<p:sld xmlns:a="http://schemas.openxmlformats.org/drawingml/2006/main" xmlns:r="http://schemas.openxmlformats.org/officeDocument/2006/relationships" xmlns:p="http://schemas.openxmlformats.org/presentationml/2006/main">
+  <p:cSld>
+    <p:bg>
+      <p:bgPr>
+        <a:blipFill dpi="0" rotWithShape="1">
+          <a:blip r:embed="rId2">
+            <a:lum/>
+          </a:blip>
+          <a:srcRect/>
+          <a:stretch>
+            <a:fillRect/>
+          </a:stretch>
+        </a:blipFill>
+        <a:effectLst/>
+      </p:bgPr>
+    </p:bg>
+    <p:spTree>
+      <p:nvGrpSpPr>
+        <p:cNvPr id="1" name=""/>
+        <p:cNvGrpSpPr/>
+        <p:nvPr/>
+      </p:nvGrpSpPr>
+      <p:grpSpPr>
+        <a:xfrm>
+          <a:off x="0" y="0"/>
+          <a:ext cx="0" cy="0"/>
+          <a:chOff x="0" y="0"/>
+          <a:chExt cx="0" cy="0"/>
+        </a:xfrm>
+      </p:grpSpPr>
+      <p:sp>
+        <p:nvSpPr>
+          <p:cNvPr id="2" name="Title 1">
+            <a:extLst>
+              <a:ext uri="{FF2B5EF4-FFF2-40B4-BE49-F238E27FC236}">
+                <a16:creationId xmlns:a16="http://schemas.microsoft.com/office/drawing/2014/main" id="{64F19281-AF76-424D-ADE7-94D0B1DB1F04}"/>
+              </a:ext>
+            </a:extLst>
+          </p:cNvPr>
+          <p:cNvSpPr>
+            <a:spLocks noGrp="1"/>
+          </p:cNvSpPr>
+          <p:nvPr>
+            <p:ph type="title"/>
+          </p:nvPr>
+        </p:nvSpPr>
+        <p:spPr/>
+        <p:txBody>
+          <a:bodyPr/>
+          <a:lstStyle/>
+          <a:p>
+            <a:r>
+              <a:rPr lang="en-US" dirty="0">
+                <a:latin typeface="AcmeFont" pitchFamily="2" charset="0"/>
+              </a:rPr>
+              <a:t>You and your Pibblie Pum</a:t>
+            </a:r>
+            <a:endParaRPr lang="en-US" dirty="0"/>
+          </a:p>
+        </p:txBody>
+      </p:sp>
+      <p:sp>
+        <p:nvSpPr>
+          <p:cNvPr id="3" name="Content Placeholder 2">
+            <a:extLst>
+              <a:ext uri="{FF2B5EF4-FFF2-40B4-BE49-F238E27FC236}">
+                <a16:creationId xmlns:a16="http://schemas.microsoft.com/office/drawing/2014/main" id="{6208E0CE-B408-4EAF-8850-518D5F1009CB}"/>
+              </a:ext>
+            </a:extLst>
+          </p:cNvPr>
+          <p:cNvSpPr>
+            <a:spLocks noGrp="1"/>
+          </p:cNvSpPr>
+          <p:nvPr>
+            <p:ph idx="1"/>
+          </p:nvPr>
+        </p:nvSpPr>
+        <p:spPr>
+          <a:xfrm>
+            <a:off x="838200" y="1825625"/>
+            <a:ext cx="8120605" cy="4351338"/>
+          </a:xfrm>
+        </p:spPr>
+        <p:txBody>
+          <a:bodyPr>
+            <a:normAutofit/>
+          </a:bodyPr>
+          <a:lstStyle/>
+          <a:p>
+            <a:r>
+              <a:rPr lang="en-US" sz="2400" dirty="0"/>
+              <a:t>Raising a healthy Pibblie Pum can be a challenge.</a:t>
+            </a:r>
+          </a:p>
+          <a:p>
+            <a:r>
+              <a:rPr lang="en-US" sz="2400" dirty="0"/>
+              <a:t>Your pet has three stats:</a:t>
+            </a:r>
+          </a:p>
+          <a:p>
+            <a:pPr lvl="1"/>
+            <a:r>
+              <a:rPr lang="en-US" sz="2000" dirty="0"/>
+              <a:t>Fullness</a:t>
+            </a:r>
+          </a:p>
+          <a:p>
+            <a:pPr lvl="1"/>
+            <a:r>
+              <a:rPr lang="en-US" sz="2000" dirty="0"/>
+              <a:t>Happiness</a:t>
+            </a:r>
+          </a:p>
+          <a:p>
+            <a:pPr lvl="1"/>
+            <a:r>
+              <a:rPr lang="en-US" sz="2000" dirty="0"/>
+              <a:t>Weight</a:t>
+            </a:r>
+          </a:p>
+          <a:p>
+            <a:r>
+              <a:rPr lang="en-US" sz="2400" dirty="0"/>
+              <a:t>Fullness and happiness decrease over time</a:t>
+            </a:r>
+          </a:p>
+          <a:p>
+            <a:r>
+              <a:rPr lang="en-US" sz="2400" dirty="0"/>
+              <a:t>Playing feeding and playing games with your pet will raise these stats</a:t>
+            </a:r>
+          </a:p>
+          <a:p>
+            <a:r>
+              <a:rPr lang="en-US" sz="2400" dirty="0"/>
+              <a:t>Letting these stats go too high or too low can make your pet sick</a:t>
+            </a:r>
+          </a:p>
+          <a:p>
+            <a:endParaRPr lang="en-US" sz="1800" dirty="0"/>
+          </a:p>
+        </p:txBody>
+      </p:sp>
+      <p:pic>
+        <p:nvPicPr>
+          <p:cNvPr id="7" name="Picture 6">
+            <a:extLst>
+              <a:ext uri="{FF2B5EF4-FFF2-40B4-BE49-F238E27FC236}">
+                <a16:creationId xmlns:a16="http://schemas.microsoft.com/office/drawing/2014/main" id="{55DC069D-4EEC-416B-8A88-69B59D51490E}"/>
+              </a:ext>
+            </a:extLst>
+          </p:cNvPr>
+          <p:cNvPicPr>
+            <a:picLocks noChangeAspect="1"/>
+          </p:cNvPicPr>
+          <p:nvPr/>
+        </p:nvPicPr>
+        <p:blipFill>
+          <a:blip r:embed="rId3">
+            <a:extLst>
+              <a:ext uri="{28A0092B-C50C-407E-A947-70E740481C1C}">
+                <a14:useLocalDpi xmlns:a14="http://schemas.microsoft.com/office/drawing/2010/main" val="0"/>
+              </a:ext>
+            </a:extLst>
+          </a:blip>
+          <a:stretch>
+            <a:fillRect/>
+          </a:stretch>
+        </p:blipFill>
+        <p:spPr>
+          <a:xfrm>
+            <a:off x="8764555" y="4463143"/>
+            <a:ext cx="2394857" cy="2394857"/>
+          </a:xfrm>
+          <a:prstGeom prst="rect">
+            <a:avLst/>
+          </a:prstGeom>
+        </p:spPr>
+      </p:pic>
+      <p:pic>
+        <p:nvPicPr>
+          <p:cNvPr id="1028" name="Picture 4" descr="Cherry in ARCADE GAME SERIES: Ms. PAC-MAN">
+            <a:extLst>
+              <a:ext uri="{FF2B5EF4-FFF2-40B4-BE49-F238E27FC236}">
+                <a16:creationId xmlns:a16="http://schemas.microsoft.com/office/drawing/2014/main" id="{166EB0B4-E0CE-47FB-B6BA-11FD93C4AB26}"/>
+              </a:ext>
+            </a:extLst>
+          </p:cNvPr>
+          <p:cNvPicPr>
+            <a:picLocks noChangeAspect="1" noChangeArrowheads="1"/>
+          </p:cNvPicPr>
+          <p:nvPr/>
+        </p:nvPicPr>
+        <p:blipFill>
+          <a:blip r:embed="rId4">
+            <a:extLst>
+              <a:ext uri="{28A0092B-C50C-407E-A947-70E740481C1C}">
+                <a14:useLocalDpi xmlns:a14="http://schemas.microsoft.com/office/drawing/2010/main" val="0"/>
+              </a:ext>
+            </a:extLst>
+          </a:blip>
+          <a:srcRect/>
+          <a:stretch>
+            <a:fillRect/>
+          </a:stretch>
+        </p:blipFill>
+        <p:spPr bwMode="auto">
+          <a:xfrm>
+            <a:off x="7953698" y="5695431"/>
+            <a:ext cx="1232937" cy="1232937"/>
+          </a:xfrm>
+          <a:prstGeom prst="rect">
+            <a:avLst/>
+          </a:prstGeom>
+          <a:noFill/>
+          <a:extLst>
+            <a:ext uri="{909E8E84-426E-40DD-AFC4-6F175D3DCCD1}">
+              <a14:hiddenFill xmlns:a14="http://schemas.microsoft.com/office/drawing/2010/main">
+                <a:solidFill>
+                  <a:srgbClr val="FFFFFF"/>
+                </a:solidFill>
+              </a14:hiddenFill>
+            </a:ext>
+          </a:extLst>
+        </p:spPr>
+      </p:pic>
+    </p:spTree>
+    <p:extLst>
+      <p:ext uri="{BB962C8B-B14F-4D97-AF65-F5344CB8AC3E}">
+        <p14:creationId xmlns:p14="http://schemas.microsoft.com/office/powerpoint/2010/main" val="2256253344"/>
+      </p:ext>
+    </p:extLst>
+  </p:cSld>
+  <p:clrMapOvr>
+    <a:masterClrMapping/>
+  </p:clrMapOvr>
+</p:sld>
+</file>
+
+<file path=ppt/slides/slide4.xml><?xml version="1.0" encoding="utf-8"?>
+<p:sld xmlns:a="http://schemas.openxmlformats.org/drawingml/2006/main" xmlns:r="http://schemas.openxmlformats.org/officeDocument/2006/relationships" xmlns:p="http://schemas.openxmlformats.org/presentationml/2006/main">
+  <p:cSld>
+    <p:bg>
+      <p:bgPr>
+        <a:blipFill dpi="0" rotWithShape="1">
+          <a:blip r:embed="rId2">
+            <a:lum/>
+          </a:blip>
+          <a:srcRect/>
+          <a:stretch>
+            <a:fillRect/>
+          </a:stretch>
+        </a:blipFill>
+        <a:effectLst/>
+      </p:bgPr>
+    </p:bg>
+    <p:spTree>
+      <p:nvGrpSpPr>
+        <p:cNvPr id="1" name=""/>
+        <p:cNvGrpSpPr/>
+        <p:nvPr/>
+      </p:nvGrpSpPr>
+      <p:grpSpPr>
+        <a:xfrm>
+          <a:off x="0" y="0"/>
+          <a:ext cx="0" cy="0"/>
+          <a:chOff x="0" y="0"/>
+          <a:chExt cx="0" cy="0"/>
+        </a:xfrm>
+      </p:grpSpPr>
+      <p:sp>
+        <p:nvSpPr>
+          <p:cNvPr id="2" name="Title 1">
+            <a:extLst>
+              <a:ext uri="{FF2B5EF4-FFF2-40B4-BE49-F238E27FC236}">
+                <a16:creationId xmlns:a16="http://schemas.microsoft.com/office/drawing/2014/main" id="{64F19281-AF76-424D-ADE7-94D0B1DB1F04}"/>
+              </a:ext>
+            </a:extLst>
+          </p:cNvPr>
+          <p:cNvSpPr>
+            <a:spLocks noGrp="1"/>
+          </p:cNvSpPr>
+          <p:nvPr>
+            <p:ph type="title"/>
+          </p:nvPr>
+        </p:nvSpPr>
+        <p:spPr/>
+        <p:txBody>
+          <a:bodyPr/>
+          <a:lstStyle/>
+          <a:p>
+            <a:r>
+              <a:rPr lang="en-US" dirty="0">
+                <a:latin typeface="AcmeFont" pitchFamily="2" charset="0"/>
+              </a:rPr>
+              <a:t>Pet Evolution</a:t>
+            </a:r>
+            <a:endParaRPr lang="en-US" dirty="0"/>
+          </a:p>
+        </p:txBody>
+      </p:sp>
+      <p:pic>
+        <p:nvPicPr>
+          <p:cNvPr id="5" name="Content Placeholder 4">
+            <a:extLst>
+              <a:ext uri="{FF2B5EF4-FFF2-40B4-BE49-F238E27FC236}">
+                <a16:creationId xmlns:a16="http://schemas.microsoft.com/office/drawing/2014/main" id="{4A3533EA-07F1-4D6A-B60F-C8EA483DBE49}"/>
+              </a:ext>
+            </a:extLst>
+          </p:cNvPr>
+          <p:cNvPicPr>
+            <a:picLocks noGrp="1" noChangeAspect="1"/>
+          </p:cNvPicPr>
+          <p:nvPr>
+            <p:ph idx="1"/>
+          </p:nvPr>
+        </p:nvPicPr>
+        <p:blipFill>
+          <a:blip r:embed="rId3">
+            <a:extLst>
+              <a:ext uri="{28A0092B-C50C-407E-A947-70E740481C1C}">
+                <a14:useLocalDpi xmlns:a14="http://schemas.microsoft.com/office/drawing/2010/main" val="0"/>
+              </a:ext>
+            </a:extLst>
+          </a:blip>
+          <a:stretch>
+            <a:fillRect/>
+          </a:stretch>
+        </p:blipFill>
+        <p:spPr>
+          <a:xfrm>
+            <a:off x="9390350" y="4791999"/>
+            <a:ext cx="1507783" cy="1507783"/>
+          </a:xfrm>
+        </p:spPr>
+      </p:pic>
+      <p:pic>
+        <p:nvPicPr>
+          <p:cNvPr id="7" name="Picture 6">
+            <a:extLst>
+              <a:ext uri="{FF2B5EF4-FFF2-40B4-BE49-F238E27FC236}">
+                <a16:creationId xmlns:a16="http://schemas.microsoft.com/office/drawing/2014/main" id="{EBFB0741-B18A-48A1-AD94-046196CAEA44}"/>
+              </a:ext>
+            </a:extLst>
+          </p:cNvPr>
+          <p:cNvPicPr>
+            <a:picLocks noChangeAspect="1"/>
+          </p:cNvPicPr>
+          <p:nvPr/>
+        </p:nvPicPr>
+        <p:blipFill>
+          <a:blip r:embed="rId4">
+            <a:extLst>
+              <a:ext uri="{28A0092B-C50C-407E-A947-70E740481C1C}">
+                <a14:useLocalDpi xmlns:a14="http://schemas.microsoft.com/office/drawing/2010/main" val="0"/>
+              </a:ext>
+            </a:extLst>
+          </a:blip>
+          <a:stretch>
+            <a:fillRect/>
+          </a:stretch>
+        </p:blipFill>
+        <p:spPr>
+          <a:xfrm>
+            <a:off x="9203362" y="2785506"/>
+            <a:ext cx="1881760" cy="1881760"/>
+          </a:xfrm>
+          <a:prstGeom prst="rect">
+            <a:avLst/>
+          </a:prstGeom>
+        </p:spPr>
+      </p:pic>
+      <p:pic>
+        <p:nvPicPr>
+          <p:cNvPr id="9" name="Picture 8">
+            <a:extLst>
+              <a:ext uri="{FF2B5EF4-FFF2-40B4-BE49-F238E27FC236}">
+                <a16:creationId xmlns:a16="http://schemas.microsoft.com/office/drawing/2014/main" id="{1330F5FB-E7BD-4BF3-814C-16A13C25C118}"/>
+              </a:ext>
+            </a:extLst>
+          </p:cNvPr>
+          <p:cNvPicPr>
+            <a:picLocks noChangeAspect="1"/>
+          </p:cNvPicPr>
+          <p:nvPr/>
+        </p:nvPicPr>
+        <p:blipFill>
+          <a:blip r:embed="rId5">
+            <a:extLst>
+              <a:ext uri="{28A0092B-C50C-407E-A947-70E740481C1C}">
+                <a14:useLocalDpi xmlns:a14="http://schemas.microsoft.com/office/drawing/2010/main" val="0"/>
+              </a:ext>
+            </a:extLst>
+          </a:blip>
+          <a:stretch>
+            <a:fillRect/>
+          </a:stretch>
+        </p:blipFill>
+        <p:spPr>
+          <a:xfrm>
+            <a:off x="9037319" y="195209"/>
+            <a:ext cx="2080549" cy="2080549"/>
+          </a:xfrm>
+          <a:prstGeom prst="rect">
+            <a:avLst/>
+          </a:prstGeom>
+        </p:spPr>
+      </p:pic>
+      <p:sp>
+        <p:nvSpPr>
+          <p:cNvPr id="12" name="Arrow: Up 11">
+            <a:extLst>
+              <a:ext uri="{FF2B5EF4-FFF2-40B4-BE49-F238E27FC236}">
+                <a16:creationId xmlns:a16="http://schemas.microsoft.com/office/drawing/2014/main" id="{6A15BAA0-1DD3-4FF7-8CAC-B42EC17A87DF}"/>
+              </a:ext>
+            </a:extLst>
+          </p:cNvPr>
+          <p:cNvSpPr/>
+          <p:nvPr/>
+        </p:nvSpPr>
+        <p:spPr>
+          <a:xfrm>
+            <a:off x="9901925" y="4667266"/>
+            <a:ext cx="484632" cy="978408"/>
+          </a:xfrm>
+          <a:prstGeom prst="upArrow">
+            <a:avLst/>
+          </a:prstGeom>
+        </p:spPr>
+        <p:style>
+          <a:lnRef idx="2">
+            <a:schemeClr val="accent2">
+              <a:shade val="50000"/>
+            </a:schemeClr>
+          </a:lnRef>
+          <a:fillRef idx="1">
+            <a:schemeClr val="accent2"/>
+          </a:fillRef>
+          <a:effectRef idx="0">
+            <a:schemeClr val="accent2"/>
+          </a:effectRef>
+          <a:fontRef idx="minor">
+            <a:schemeClr val="lt1"/>
+          </a:fontRef>
+        </p:style>
+        <p:txBody>
+          <a:bodyPr rtlCol="0" anchor="ctr"/>
+          <a:lstStyle/>
+          <a:p>
+            <a:pPr algn="ctr"/>
+            <a:endParaRPr lang="en-US"/>
+          </a:p>
+        </p:txBody>
+      </p:sp>
+      <p:sp>
+        <p:nvSpPr>
+          <p:cNvPr id="13" name="Arrow: Up 12">
+            <a:extLst>
+              <a:ext uri="{FF2B5EF4-FFF2-40B4-BE49-F238E27FC236}">
+                <a16:creationId xmlns:a16="http://schemas.microsoft.com/office/drawing/2014/main" id="{0305BED0-63D3-4987-A42B-44BA0C5D0C22}"/>
+              </a:ext>
+            </a:extLst>
+          </p:cNvPr>
+          <p:cNvSpPr/>
+          <p:nvPr/>
+        </p:nvSpPr>
+        <p:spPr>
+          <a:xfrm>
+            <a:off x="9901925" y="2296302"/>
+            <a:ext cx="484632" cy="978408"/>
+          </a:xfrm>
+          <a:prstGeom prst="upArrow">
+            <a:avLst/>
+          </a:prstGeom>
+        </p:spPr>
+        <p:style>
+          <a:lnRef idx="2">
+            <a:schemeClr val="accent2">
+              <a:shade val="50000"/>
+            </a:schemeClr>
+          </a:lnRef>
+          <a:fillRef idx="1">
+            <a:schemeClr val="accent2"/>
+          </a:fillRef>
+          <a:effectRef idx="0">
+            <a:schemeClr val="accent2"/>
+          </a:effectRef>
+          <a:fontRef idx="minor">
+            <a:schemeClr val="lt1"/>
+          </a:fontRef>
+        </p:style>
+        <p:txBody>
+          <a:bodyPr rtlCol="0" anchor="ctr"/>
+          <a:lstStyle/>
+          <a:p>
+            <a:pPr algn="ctr"/>
+            <a:endParaRPr lang="en-US"/>
+          </a:p>
+        </p:txBody>
+      </p:sp>
+      <p:sp>
+        <p:nvSpPr>
+          <p:cNvPr id="17" name="Content Placeholder 2">
+            <a:extLst>
+              <a:ext uri="{FF2B5EF4-FFF2-40B4-BE49-F238E27FC236}">
+                <a16:creationId xmlns:a16="http://schemas.microsoft.com/office/drawing/2014/main" id="{B1278D4A-C79A-4B5D-B7DD-27FEAB9C56A4}"/>
+              </a:ext>
+            </a:extLst>
+          </p:cNvPr>
+          <p:cNvSpPr txBox="1">
+            <a:spLocks/>
+          </p:cNvSpPr>
+          <p:nvPr/>
+        </p:nvSpPr>
+        <p:spPr>
+          <a:xfrm>
+            <a:off x="838200" y="1825625"/>
+            <a:ext cx="8827793" cy="4351338"/>
+          </a:xfrm>
+          <a:prstGeom prst="rect">
+            <a:avLst/>
+          </a:prstGeom>
+        </p:spPr>
+        <p:txBody>
+          <a:bodyPr vert="horz" lIns="91440" tIns="45720" rIns="91440" bIns="45720" rtlCol="0">
+            <a:normAutofit/>
+          </a:bodyPr>
+          <a:lstStyle>
+            <a:lvl1pPr marL="228600" indent="-228600" algn="l" defTabSz="914400" rtl="0" eaLnBrk="1" latinLnBrk="0" hangingPunct="1">
+              <a:lnSpc>
+                <a:spcPct val="90000"/>
+              </a:lnSpc>
+              <a:spcBef>
+                <a:spcPts val="1000"/>
+              </a:spcBef>
+              <a:buFont typeface="Arial" panose="020B0604020202020204" pitchFamily="34" charset="0"/>
+              <a:buChar char="•"/>
+              <a:defRPr sz="2800" kern="1200">
+                <a:solidFill>
+                  <a:schemeClr val="tx1"/>
+                </a:solidFill>
+                <a:latin typeface="+mn-lt"/>
+                <a:ea typeface="+mn-ea"/>
+                <a:cs typeface="+mn-cs"/>
+              </a:defRPr>
+            </a:lvl1pPr>
+            <a:lvl2pPr marL="685800" indent="-228600" algn="l" defTabSz="914400" rtl="0" eaLnBrk="1" latinLnBrk="0" hangingPunct="1">
+              <a:lnSpc>
+                <a:spcPct val="90000"/>
+              </a:lnSpc>
+              <a:spcBef>
+                <a:spcPts val="500"/>
+              </a:spcBef>
+              <a:buFont typeface="Arial" panose="020B0604020202020204" pitchFamily="34" charset="0"/>
+              <a:buChar char="•"/>
+              <a:defRPr sz="2400" kern="1200">
+                <a:solidFill>
+                  <a:schemeClr val="tx1"/>
+                </a:solidFill>
+                <a:latin typeface="+mn-lt"/>
+                <a:ea typeface="+mn-ea"/>
+                <a:cs typeface="+mn-cs"/>
+              </a:defRPr>
+            </a:lvl2pPr>
+            <a:lvl3pPr marL="1143000" indent="-228600" algn="l" defTabSz="914400" rtl="0" eaLnBrk="1" latinLnBrk="0" hangingPunct="1">
+              <a:lnSpc>
+                <a:spcPct val="90000"/>
+              </a:lnSpc>
+              <a:spcBef>
+                <a:spcPts val="500"/>
+              </a:spcBef>
+              <a:buFont typeface="Arial" panose="020B0604020202020204" pitchFamily="34" charset="0"/>
+              <a:buChar char="•"/>
+              <a:defRPr sz="2000" kern="1200">
+                <a:solidFill>
+                  <a:schemeClr val="tx1"/>
+                </a:solidFill>
+                <a:latin typeface="+mn-lt"/>
+                <a:ea typeface="+mn-ea"/>
+                <a:cs typeface="+mn-cs"/>
+              </a:defRPr>
+            </a:lvl3pPr>
+            <a:lvl4pPr marL="1600200" indent="-228600" algn="l" defTabSz="914400" rtl="0" eaLnBrk="1" latinLnBrk="0" hangingPunct="1">
+              <a:lnSpc>
+                <a:spcPct val="90000"/>
+              </a:lnSpc>
+              <a:spcBef>
+                <a:spcPts val="500"/>
+              </a:spcBef>
+              <a:buFont typeface="Arial" panose="020B0604020202020204" pitchFamily="34" charset="0"/>
+              <a:buChar char="•"/>
+              <a:defRPr sz="1800" kern="1200">
+                <a:solidFill>
+                  <a:schemeClr val="tx1"/>
+                </a:solidFill>
+                <a:latin typeface="+mn-lt"/>
+                <a:ea typeface="+mn-ea"/>
+                <a:cs typeface="+mn-cs"/>
+              </a:defRPr>
+            </a:lvl4pPr>
+            <a:lvl5pPr marL="2057400" indent="-228600" algn="l" defTabSz="914400" rtl="0" eaLnBrk="1" latinLnBrk="0" hangingPunct="1">
+              <a:lnSpc>
+                <a:spcPct val="90000"/>
+              </a:lnSpc>
+              <a:spcBef>
+                <a:spcPts val="500"/>
+              </a:spcBef>
+              <a:buFont typeface="Arial" panose="020B0604020202020204" pitchFamily="34" charset="0"/>
+              <a:buChar char="•"/>
+              <a:defRPr sz="1800" kern="1200">
+                <a:solidFill>
+                  <a:schemeClr val="tx1"/>
+                </a:solidFill>
+                <a:latin typeface="+mn-lt"/>
+                <a:ea typeface="+mn-ea"/>
+                <a:cs typeface="+mn-cs"/>
+              </a:defRPr>
+            </a:lvl5pPr>
+            <a:lvl6pPr marL="2514600" indent="-228600" algn="l" defTabSz="914400" rtl="0" eaLnBrk="1" latinLnBrk="0" hangingPunct="1">
+              <a:lnSpc>
+                <a:spcPct val="90000"/>
+              </a:lnSpc>
+              <a:spcBef>
+                <a:spcPts val="500"/>
+              </a:spcBef>
+              <a:buFont typeface="Arial" panose="020B0604020202020204" pitchFamily="34" charset="0"/>
+              <a:buChar char="•"/>
+              <a:defRPr sz="1800" kern="1200">
+                <a:solidFill>
+                  <a:schemeClr val="tx1"/>
+                </a:solidFill>
+                <a:latin typeface="+mn-lt"/>
+                <a:ea typeface="+mn-ea"/>
+                <a:cs typeface="+mn-cs"/>
+              </a:defRPr>
+            </a:lvl6pPr>
+            <a:lvl7pPr marL="2971800" indent="-228600" algn="l" defTabSz="914400" rtl="0" eaLnBrk="1" latinLnBrk="0" hangingPunct="1">
+              <a:lnSpc>
+                <a:spcPct val="90000"/>
+              </a:lnSpc>
+              <a:spcBef>
+                <a:spcPts val="500"/>
+              </a:spcBef>
+              <a:buFont typeface="Arial" panose="020B0604020202020204" pitchFamily="34" charset="0"/>
+              <a:buChar char="•"/>
+              <a:defRPr sz="1800" kern="1200">
+                <a:solidFill>
+                  <a:schemeClr val="tx1"/>
+                </a:solidFill>
+                <a:latin typeface="+mn-lt"/>
+                <a:ea typeface="+mn-ea"/>
+                <a:cs typeface="+mn-cs"/>
+              </a:defRPr>
+            </a:lvl7pPr>
+            <a:lvl8pPr marL="3429000" indent="-228600" algn="l" defTabSz="914400" rtl="0" eaLnBrk="1" latinLnBrk="0" hangingPunct="1">
+              <a:lnSpc>
+                <a:spcPct val="90000"/>
+              </a:lnSpc>
+              <a:spcBef>
+                <a:spcPts val="500"/>
+              </a:spcBef>
+              <a:buFont typeface="Arial" panose="020B0604020202020204" pitchFamily="34" charset="0"/>
+              <a:buChar char="•"/>
+              <a:defRPr sz="1800" kern="1200">
+                <a:solidFill>
+                  <a:schemeClr val="tx1"/>
+                </a:solidFill>
+                <a:latin typeface="+mn-lt"/>
+                <a:ea typeface="+mn-ea"/>
+                <a:cs typeface="+mn-cs"/>
+              </a:defRPr>
+            </a:lvl8pPr>
+            <a:lvl9pPr marL="3886200" indent="-228600" algn="l" defTabSz="914400" rtl="0" eaLnBrk="1" latinLnBrk="0" hangingPunct="1">
+              <a:lnSpc>
+                <a:spcPct val="90000"/>
+              </a:lnSpc>
+              <a:spcBef>
+                <a:spcPts val="500"/>
+              </a:spcBef>
+              <a:buFont typeface="Arial" panose="020B0604020202020204" pitchFamily="34" charset="0"/>
+              <a:buChar char="•"/>
+              <a:defRPr sz="1800" kern="1200">
+                <a:solidFill>
+                  <a:schemeClr val="tx1"/>
+                </a:solidFill>
+                <a:latin typeface="+mn-lt"/>
+                <a:ea typeface="+mn-ea"/>
+                <a:cs typeface="+mn-cs"/>
+              </a:defRPr>
+            </a:lvl9pPr>
+          </a:lstStyle>
+          <a:p>
+            <a:endParaRPr lang="en-US" sz="1800" dirty="0"/>
+          </a:p>
+        </p:txBody>
+      </p:sp>
+      <p:sp>
+        <p:nvSpPr>
+          <p:cNvPr id="18" name="Content Placeholder 2">
+            <a:extLst>
+              <a:ext uri="{FF2B5EF4-FFF2-40B4-BE49-F238E27FC236}">
+                <a16:creationId xmlns:a16="http://schemas.microsoft.com/office/drawing/2014/main" id="{6B3C2C35-5D7D-417D-86C5-0C04BEB235A4}"/>
+              </a:ext>
+            </a:extLst>
+          </p:cNvPr>
+          <p:cNvSpPr txBox="1">
+            <a:spLocks/>
+          </p:cNvSpPr>
+          <p:nvPr/>
+        </p:nvSpPr>
+        <p:spPr>
+          <a:xfrm>
+            <a:off x="838200" y="1702806"/>
+            <a:ext cx="10515600" cy="4351338"/>
+          </a:xfrm>
+          <a:prstGeom prst="rect">
+            <a:avLst/>
+          </a:prstGeom>
+        </p:spPr>
+        <p:txBody>
+          <a:bodyPr vert="horz" lIns="91440" tIns="45720" rIns="91440" bIns="45720" rtlCol="0">
+            <a:normAutofit/>
+          </a:bodyPr>
+          <a:lstStyle>
+            <a:lvl1pPr marL="228600" indent="-228600" algn="l" defTabSz="914400" rtl="0" eaLnBrk="1" latinLnBrk="0" hangingPunct="1">
+              <a:lnSpc>
+                <a:spcPct val="90000"/>
+              </a:lnSpc>
+              <a:spcBef>
+                <a:spcPts val="1000"/>
+              </a:spcBef>
+              <a:buFont typeface="Arial" panose="020B0604020202020204" pitchFamily="34" charset="0"/>
+              <a:buChar char="•"/>
+              <a:defRPr sz="2800" kern="1200">
+                <a:solidFill>
+                  <a:schemeClr val="tx1"/>
+                </a:solidFill>
+                <a:latin typeface="+mn-lt"/>
+                <a:ea typeface="+mn-ea"/>
+                <a:cs typeface="+mn-cs"/>
+              </a:defRPr>
+            </a:lvl1pPr>
+            <a:lvl2pPr marL="685800" indent="-228600" algn="l" defTabSz="914400" rtl="0" eaLnBrk="1" latinLnBrk="0" hangingPunct="1">
+              <a:lnSpc>
+                <a:spcPct val="90000"/>
+              </a:lnSpc>
+              <a:spcBef>
+                <a:spcPts val="500"/>
+              </a:spcBef>
+              <a:buFont typeface="Arial" panose="020B0604020202020204" pitchFamily="34" charset="0"/>
+              <a:buChar char="•"/>
+              <a:defRPr sz="2400" kern="1200">
+                <a:solidFill>
+                  <a:schemeClr val="tx1"/>
+                </a:solidFill>
+                <a:latin typeface="+mn-lt"/>
+                <a:ea typeface="+mn-ea"/>
+                <a:cs typeface="+mn-cs"/>
+              </a:defRPr>
+            </a:lvl2pPr>
+            <a:lvl3pPr marL="1143000" indent="-228600" algn="l" defTabSz="914400" rtl="0" eaLnBrk="1" latinLnBrk="0" hangingPunct="1">
+              <a:lnSpc>
+                <a:spcPct val="90000"/>
+              </a:lnSpc>
+              <a:spcBef>
+                <a:spcPts val="500"/>
+              </a:spcBef>
+              <a:buFont typeface="Arial" panose="020B0604020202020204" pitchFamily="34" charset="0"/>
+              <a:buChar char="•"/>
+              <a:defRPr sz="2000" kern="1200">
+                <a:solidFill>
+                  <a:schemeClr val="tx1"/>
+                </a:solidFill>
+                <a:latin typeface="+mn-lt"/>
+                <a:ea typeface="+mn-ea"/>
+                <a:cs typeface="+mn-cs"/>
+              </a:defRPr>
+            </a:lvl3pPr>
+            <a:lvl4pPr marL="1600200" indent="-228600" algn="l" defTabSz="914400" rtl="0" eaLnBrk="1" latinLnBrk="0" hangingPunct="1">
+              <a:lnSpc>
+                <a:spcPct val="90000"/>
+              </a:lnSpc>
+              <a:spcBef>
+                <a:spcPts val="500"/>
+              </a:spcBef>
+              <a:buFont typeface="Arial" panose="020B0604020202020204" pitchFamily="34" charset="0"/>
+              <a:buChar char="•"/>
+              <a:defRPr sz="1800" kern="1200">
+                <a:solidFill>
+                  <a:schemeClr val="tx1"/>
+                </a:solidFill>
+                <a:latin typeface="+mn-lt"/>
+                <a:ea typeface="+mn-ea"/>
+                <a:cs typeface="+mn-cs"/>
+              </a:defRPr>
+            </a:lvl4pPr>
+            <a:lvl5pPr marL="2057400" indent="-228600" algn="l" defTabSz="914400" rtl="0" eaLnBrk="1" latinLnBrk="0" hangingPunct="1">
+              <a:lnSpc>
+                <a:spcPct val="90000"/>
+              </a:lnSpc>
+              <a:spcBef>
+                <a:spcPts val="500"/>
+              </a:spcBef>
+              <a:buFont typeface="Arial" panose="020B0604020202020204" pitchFamily="34" charset="0"/>
+              <a:buChar char="•"/>
+              <a:defRPr sz="1800" kern="1200">
+                <a:solidFill>
+                  <a:schemeClr val="tx1"/>
+                </a:solidFill>
+                <a:latin typeface="+mn-lt"/>
+                <a:ea typeface="+mn-ea"/>
+                <a:cs typeface="+mn-cs"/>
+              </a:defRPr>
+            </a:lvl5pPr>
+            <a:lvl6pPr marL="2514600" indent="-228600" algn="l" defTabSz="914400" rtl="0" eaLnBrk="1" latinLnBrk="0" hangingPunct="1">
+              <a:lnSpc>
+                <a:spcPct val="90000"/>
+              </a:lnSpc>
+              <a:spcBef>
+                <a:spcPts val="500"/>
+              </a:spcBef>
+              <a:buFont typeface="Arial" panose="020B0604020202020204" pitchFamily="34" charset="0"/>
+              <a:buChar char="•"/>
+              <a:defRPr sz="1800" kern="1200">
+                <a:solidFill>
+                  <a:schemeClr val="tx1"/>
+                </a:solidFill>
+                <a:latin typeface="+mn-lt"/>
+                <a:ea typeface="+mn-ea"/>
+                <a:cs typeface="+mn-cs"/>
+              </a:defRPr>
+            </a:lvl6pPr>
+            <a:lvl7pPr marL="2971800" indent="-228600" algn="l" defTabSz="914400" rtl="0" eaLnBrk="1" latinLnBrk="0" hangingPunct="1">
+              <a:lnSpc>
+                <a:spcPct val="90000"/>
+              </a:lnSpc>
+              <a:spcBef>
+                <a:spcPts val="500"/>
+              </a:spcBef>
+              <a:buFont typeface="Arial" panose="020B0604020202020204" pitchFamily="34" charset="0"/>
+              <a:buChar char="•"/>
+              <a:defRPr sz="1800" kern="1200">
+                <a:solidFill>
+                  <a:schemeClr val="tx1"/>
+                </a:solidFill>
+                <a:latin typeface="+mn-lt"/>
+                <a:ea typeface="+mn-ea"/>
+                <a:cs typeface="+mn-cs"/>
+              </a:defRPr>
+            </a:lvl7pPr>
+            <a:lvl8pPr marL="3429000" indent="-228600" algn="l" defTabSz="914400" rtl="0" eaLnBrk="1" latinLnBrk="0" hangingPunct="1">
+              <a:lnSpc>
+                <a:spcPct val="90000"/>
+              </a:lnSpc>
+              <a:spcBef>
+                <a:spcPts val="500"/>
+              </a:spcBef>
+              <a:buFont typeface="Arial" panose="020B0604020202020204" pitchFamily="34" charset="0"/>
+              <a:buChar char="•"/>
+              <a:defRPr sz="1800" kern="1200">
+                <a:solidFill>
+                  <a:schemeClr val="tx1"/>
+                </a:solidFill>
+                <a:latin typeface="+mn-lt"/>
+                <a:ea typeface="+mn-ea"/>
+                <a:cs typeface="+mn-cs"/>
+              </a:defRPr>
+            </a:lvl8pPr>
+            <a:lvl9pPr marL="3886200" indent="-228600" algn="l" defTabSz="914400" rtl="0" eaLnBrk="1" latinLnBrk="0" hangingPunct="1">
+              <a:lnSpc>
+                <a:spcPct val="90000"/>
+              </a:lnSpc>
+              <a:spcBef>
+                <a:spcPts val="500"/>
+              </a:spcBef>
+              <a:buFont typeface="Arial" panose="020B0604020202020204" pitchFamily="34" charset="0"/>
+              <a:buChar char="•"/>
+              <a:defRPr sz="1800" kern="1200">
+                <a:solidFill>
+                  <a:schemeClr val="tx1"/>
+                </a:solidFill>
+                <a:latin typeface="+mn-lt"/>
+                <a:ea typeface="+mn-ea"/>
+                <a:cs typeface="+mn-cs"/>
+              </a:defRPr>
+            </a:lvl9pPr>
+          </a:lstStyle>
+          <a:p>
+            <a:r>
+              <a:rPr lang="en-US" sz="1800" dirty="0"/>
+              <a:t>As your pet gets older, it will evolve.</a:t>
+            </a:r>
+          </a:p>
+          <a:p>
+            <a:r>
+              <a:rPr lang="en-US" sz="1800" dirty="0"/>
+              <a:t>Each pet has 3 stages of evolution</a:t>
+            </a:r>
+          </a:p>
+          <a:p>
+            <a:pPr lvl="1"/>
+            <a:r>
+              <a:rPr lang="en-US" sz="1400" dirty="0"/>
+              <a:t>Baby</a:t>
+            </a:r>
+          </a:p>
+          <a:p>
+            <a:pPr lvl="1"/>
+            <a:r>
+              <a:rPr lang="en-US" sz="1400" dirty="0"/>
+              <a:t>Child</a:t>
+            </a:r>
+          </a:p>
+          <a:p>
+            <a:pPr lvl="1"/>
+            <a:r>
+              <a:rPr lang="en-US" sz="1400" dirty="0"/>
+              <a:t>Adult</a:t>
+            </a:r>
+          </a:p>
+          <a:p>
+            <a:r>
+              <a:rPr lang="en-US" sz="1800" dirty="0"/>
+              <a:t>Each stage will be longer than the previous one.</a:t>
+            </a:r>
+          </a:p>
+          <a:p>
+            <a:r>
+              <a:rPr lang="en-US" sz="1800" dirty="0"/>
+              <a:t>Each stage also has a larger max happiness and fullness than the previous one.</a:t>
+            </a:r>
+          </a:p>
+          <a:p>
+            <a:r>
+              <a:rPr lang="en-US" sz="1800" dirty="0"/>
+              <a:t>Each pet has a branching tree of possible evolutions</a:t>
+            </a:r>
+          </a:p>
+          <a:p>
+            <a:r>
+              <a:rPr lang="en-US" sz="1800" dirty="0"/>
+              <a:t>How you treat your pet determines which path it will go down.</a:t>
+            </a:r>
+          </a:p>
+          <a:p>
+            <a:r>
+              <a:rPr lang="en-US" sz="1800" dirty="0"/>
+              <a:t>After your pet has grown old enough, it will leave you a special egg and leave to explore</a:t>
+            </a:r>
+          </a:p>
+        </p:txBody>
+      </p:sp>
+    </p:spTree>
+    <p:extLst>
+      <p:ext uri="{BB962C8B-B14F-4D97-AF65-F5344CB8AC3E}">
+        <p14:creationId xmlns:p14="http://schemas.microsoft.com/office/powerpoint/2010/main" val="2740491845"/>
+      </p:ext>
+    </p:extLst>
+  </p:cSld>
+  <p:clrMapOvr>
+    <a:masterClrMapping/>
+  </p:clrMapOvr>
+</p:sld>
+</file>
+
+<file path=ppt/slides/slide5.xml><?xml version="1.0" encoding="utf-8"?>
+<p:sld xmlns:a="http://schemas.openxmlformats.org/drawingml/2006/main" xmlns:r="http://schemas.openxmlformats.org/officeDocument/2006/relationships" xmlns:p="http://schemas.openxmlformats.org/presentationml/2006/main">
+  <p:cSld>
+    <p:bg>
+      <p:bgPr>
+        <a:blipFill dpi="0" rotWithShape="1">
+          <a:blip r:embed="rId2">
+            <a:lum/>
+          </a:blip>
+          <a:srcRect/>
+          <a:stretch>
+            <a:fillRect/>
+          </a:stretch>
+        </a:blipFill>
+        <a:effectLst/>
+      </p:bgPr>
+    </p:bg>
+    <p:spTree>
+      <p:nvGrpSpPr>
+        <p:cNvPr id="1" name=""/>
+        <p:cNvGrpSpPr/>
+        <p:nvPr/>
+      </p:nvGrpSpPr>
+      <p:grpSpPr>
+        <a:xfrm>
+          <a:off x="0" y="0"/>
+          <a:ext cx="0" cy="0"/>
+          <a:chOff x="0" y="0"/>
+          <a:chExt cx="0" cy="0"/>
+        </a:xfrm>
+      </p:grpSpPr>
+      <p:sp>
+        <p:nvSpPr>
+          <p:cNvPr id="2" name="Title 1">
+            <a:extLst>
+              <a:ext uri="{FF2B5EF4-FFF2-40B4-BE49-F238E27FC236}">
+                <a16:creationId xmlns:a16="http://schemas.microsoft.com/office/drawing/2014/main" id="{64F19281-AF76-424D-ADE7-94D0B1DB1F04}"/>
+              </a:ext>
+            </a:extLst>
+          </p:cNvPr>
+          <p:cNvSpPr>
+            <a:spLocks noGrp="1"/>
+          </p:cNvSpPr>
+          <p:nvPr>
+            <p:ph type="title"/>
+          </p:nvPr>
+        </p:nvSpPr>
+        <p:spPr/>
+        <p:txBody>
+          <a:bodyPr/>
+          <a:lstStyle/>
+          <a:p>
+            <a:r>
+              <a:rPr lang="en-US" dirty="0">
+                <a:latin typeface="AcmeFont" pitchFamily="2" charset="0"/>
+              </a:rPr>
+              <a:t>Games</a:t>
+            </a:r>
+            <a:endParaRPr lang="en-US" dirty="0"/>
+          </a:p>
+        </p:txBody>
+      </p:sp>
+      <p:sp>
+        <p:nvSpPr>
+          <p:cNvPr id="3" name="Content Placeholder 2">
+            <a:extLst>
+              <a:ext uri="{FF2B5EF4-FFF2-40B4-BE49-F238E27FC236}">
+                <a16:creationId xmlns:a16="http://schemas.microsoft.com/office/drawing/2014/main" id="{6208E0CE-B408-4EAF-8850-518D5F1009CB}"/>
+              </a:ext>
+            </a:extLst>
+          </p:cNvPr>
+          <p:cNvSpPr>
+            <a:spLocks noGrp="1"/>
+          </p:cNvSpPr>
+          <p:nvPr>
+            <p:ph idx="1"/>
+          </p:nvPr>
+        </p:nvSpPr>
+        <p:spPr>
+          <a:xfrm>
+            <a:off x="838200" y="1825625"/>
+            <a:ext cx="8451979" cy="4351338"/>
+          </a:xfrm>
+        </p:spPr>
+        <p:txBody>
+          <a:bodyPr>
+            <a:normAutofit/>
+          </a:bodyPr>
+          <a:lstStyle/>
+          <a:p>
+            <a:r>
+              <a:rPr lang="en-US" sz="2400" dirty="0"/>
+              <a:t>Playing games with your pet will lower their fullness and weight while raising their happiness.</a:t>
+            </a:r>
+          </a:p>
+          <a:p>
+            <a:r>
+              <a:rPr lang="en-US" sz="2400" dirty="0"/>
+              <a:t>Games  change based on age</a:t>
+            </a:r>
+          </a:p>
+          <a:p>
+            <a:pPr lvl="1"/>
+            <a:r>
+              <a:rPr lang="en-US" sz="2000" dirty="0"/>
+              <a:t>Baby: Rock Paper Scissors</a:t>
+            </a:r>
+          </a:p>
+          <a:p>
+            <a:pPr lvl="1"/>
+            <a:r>
+              <a:rPr lang="en-US" sz="2000" dirty="0"/>
+              <a:t>Child: High Jump</a:t>
+            </a:r>
+          </a:p>
+          <a:p>
+            <a:pPr lvl="1"/>
+            <a:r>
+              <a:rPr lang="en-US" sz="2000" dirty="0"/>
+              <a:t>Adult: Asteroid Blaster</a:t>
+            </a:r>
+          </a:p>
+          <a:p>
+            <a:r>
+              <a:rPr lang="en-US" sz="2400" dirty="0"/>
+              <a:t>If you win, you receive money to buy items from </a:t>
+            </a:r>
+            <a:r>
+              <a:rPr lang="en-US" sz="2400"/>
+              <a:t>the shop</a:t>
+            </a:r>
+            <a:endParaRPr lang="en-US" sz="2400" dirty="0"/>
+          </a:p>
+          <a:p>
+            <a:pPr lvl="1"/>
+            <a:endParaRPr lang="en-US" sz="2000" dirty="0"/>
+          </a:p>
+          <a:p>
+            <a:endParaRPr lang="en-US" sz="2400" dirty="0"/>
+          </a:p>
+        </p:txBody>
+      </p:sp>
+      <p:pic>
+        <p:nvPicPr>
+          <p:cNvPr id="7" name="Picture 6">
+            <a:extLst>
+              <a:ext uri="{FF2B5EF4-FFF2-40B4-BE49-F238E27FC236}">
+                <a16:creationId xmlns:a16="http://schemas.microsoft.com/office/drawing/2014/main" id="{7A62CF59-410C-43F6-BF89-356450D1F882}"/>
+              </a:ext>
+            </a:extLst>
+          </p:cNvPr>
+          <p:cNvPicPr>
+            <a:picLocks noChangeAspect="1"/>
+          </p:cNvPicPr>
+          <p:nvPr/>
+        </p:nvPicPr>
+        <p:blipFill>
+          <a:blip r:embed="rId3">
+            <a:extLst>
+              <a:ext uri="{28A0092B-C50C-407E-A947-70E740481C1C}">
+                <a14:useLocalDpi xmlns:a14="http://schemas.microsoft.com/office/drawing/2010/main" val="0"/>
+              </a:ext>
+            </a:extLst>
+          </a:blip>
+          <a:stretch>
+            <a:fillRect/>
+          </a:stretch>
+        </p:blipFill>
+        <p:spPr>
+          <a:xfrm>
+            <a:off x="9290179" y="1146110"/>
+            <a:ext cx="2438400" cy="2438400"/>
+          </a:xfrm>
+          <a:prstGeom prst="rect">
+            <a:avLst/>
+          </a:prstGeom>
+        </p:spPr>
+      </p:pic>
+      <p:pic>
+        <p:nvPicPr>
+          <p:cNvPr id="9" name="Picture 8">
+            <a:extLst>
+              <a:ext uri="{FF2B5EF4-FFF2-40B4-BE49-F238E27FC236}">
+                <a16:creationId xmlns:a16="http://schemas.microsoft.com/office/drawing/2014/main" id="{0004357F-16DC-4995-854C-EE6090196C27}"/>
+              </a:ext>
+            </a:extLst>
+          </p:cNvPr>
+          <p:cNvPicPr>
+            <a:picLocks noChangeAspect="1"/>
+          </p:cNvPicPr>
+          <p:nvPr/>
+        </p:nvPicPr>
+        <p:blipFill>
+          <a:blip r:embed="rId4">
+            <a:extLst>
+              <a:ext uri="{28A0092B-C50C-407E-A947-70E740481C1C}">
+                <a14:useLocalDpi xmlns:a14="http://schemas.microsoft.com/office/drawing/2010/main" val="0"/>
+              </a:ext>
+            </a:extLst>
+          </a:blip>
+          <a:stretch>
+            <a:fillRect/>
+          </a:stretch>
+        </p:blipFill>
+        <p:spPr>
+          <a:xfrm>
+            <a:off x="9752822" y="101082"/>
+            <a:ext cx="1513114" cy="1513114"/>
+          </a:xfrm>
+          <a:prstGeom prst="rect">
+            <a:avLst/>
+          </a:prstGeom>
+        </p:spPr>
+      </p:pic>
+    </p:spTree>
+    <p:extLst>
+      <p:ext uri="{BB962C8B-B14F-4D97-AF65-F5344CB8AC3E}">
+        <p14:creationId xmlns:p14="http://schemas.microsoft.com/office/powerpoint/2010/main" val="12826567"/>
+      </p:ext>
+    </p:extLst>
+  </p:cSld>
+  <p:clrMapOvr>
+    <a:masterClrMapping/>
+  </p:clrMapOvr>
+</p:sld>
+</file>
+
+<file path=ppt/slides/slide6.xml><?xml version="1.0" encoding="utf-8"?>
+<p:sld xmlns:a="http://schemas.openxmlformats.org/drawingml/2006/main" xmlns:r="http://schemas.openxmlformats.org/officeDocument/2006/relationships" xmlns:p="http://schemas.openxmlformats.org/presentationml/2006/main">
+  <p:cSld>
+    <p:bg>
+      <p:bgPr>
+        <a:blipFill dpi="0" rotWithShape="1">
+          <a:blip r:embed="rId2">
+            <a:lum/>
+          </a:blip>
+          <a:srcRect/>
+          <a:stretch>
+            <a:fillRect/>
+          </a:stretch>
+        </a:blipFill>
+        <a:effectLst/>
+      </p:bgPr>
+    </p:bg>
+    <p:spTree>
+      <p:nvGrpSpPr>
+        <p:cNvPr id="1" name=""/>
+        <p:cNvGrpSpPr/>
+        <p:nvPr/>
+      </p:nvGrpSpPr>
+      <p:grpSpPr>
+        <a:xfrm>
+          <a:off x="0" y="0"/>
+          <a:ext cx="0" cy="0"/>
+          <a:chOff x="0" y="0"/>
+          <a:chExt cx="0" cy="0"/>
+        </a:xfrm>
+      </p:grpSpPr>
+      <p:sp>
+        <p:nvSpPr>
+          <p:cNvPr id="2" name="Title 1">
+            <a:extLst>
+              <a:ext uri="{FF2B5EF4-FFF2-40B4-BE49-F238E27FC236}">
+                <a16:creationId xmlns:a16="http://schemas.microsoft.com/office/drawing/2014/main" id="{64F19281-AF76-424D-ADE7-94D0B1DB1F04}"/>
+              </a:ext>
+            </a:extLst>
+          </p:cNvPr>
+          <p:cNvSpPr>
+            <a:spLocks noGrp="1"/>
+          </p:cNvSpPr>
+          <p:nvPr>
+            <p:ph type="title"/>
+          </p:nvPr>
+        </p:nvSpPr>
+        <p:spPr/>
+        <p:txBody>
+          <a:bodyPr/>
+          <a:lstStyle/>
+          <a:p>
+            <a:r>
+              <a:rPr lang="en-US" dirty="0">
+                <a:latin typeface="AcmeFont" pitchFamily="2" charset="0"/>
+              </a:rPr>
+              <a:t>Add text</a:t>
+            </a:r>
+            <a:endParaRPr lang="en-US" dirty="0"/>
+          </a:p>
+        </p:txBody>
+      </p:sp>
+      <p:sp>
+        <p:nvSpPr>
+          <p:cNvPr id="3" name="Content Placeholder 2">
+            <a:extLst>
+              <a:ext uri="{FF2B5EF4-FFF2-40B4-BE49-F238E27FC236}">
+                <a16:creationId xmlns:a16="http://schemas.microsoft.com/office/drawing/2014/main" id="{6208E0CE-B408-4EAF-8850-518D5F1009CB}"/>
+              </a:ext>
+            </a:extLst>
+          </p:cNvPr>
+          <p:cNvSpPr>
+            <a:spLocks noGrp="1"/>
+          </p:cNvSpPr>
+          <p:nvPr>
+            <p:ph idx="1"/>
+          </p:nvPr>
+        </p:nvSpPr>
+        <p:spPr/>
+        <p:txBody>
+          <a:bodyPr/>
+          <a:lstStyle/>
+          <a:p>
+            <a:endParaRPr lang="en-US"/>
+          </a:p>
+        </p:txBody>
+      </p:sp>
+    </p:spTree>
+    <p:extLst>
+      <p:ext uri="{BB962C8B-B14F-4D97-AF65-F5344CB8AC3E}">
+        <p14:creationId xmlns:p14="http://schemas.microsoft.com/office/powerpoint/2010/main" val="1159577029"/>
+      </p:ext>
+    </p:extLst>
+  </p:cSld>
+  <p:clrMapOvr>
+    <a:masterClrMapping/>
+  </p:clrMapOvr>
+</p:sld>
+</file>
+
+<file path=ppt/slides/slide7.xml><?xml version="1.0" encoding="utf-8"?>
+<p:sld xmlns:a="http://schemas.openxmlformats.org/drawingml/2006/main" xmlns:r="http://schemas.openxmlformats.org/officeDocument/2006/relationships" xmlns:p="http://schemas.openxmlformats.org/presentationml/2006/main">
+  <p:cSld>
+    <p:bg>
+      <p:bgPr>
+        <a:blipFill dpi="0" rotWithShape="1">
+          <a:blip r:embed="rId2">
+            <a:lum/>
+          </a:blip>
+          <a:srcRect/>
+          <a:stretch>
+            <a:fillRect/>
+          </a:stretch>
+        </a:blipFill>
+        <a:effectLst/>
+      </p:bgPr>
+    </p:bg>
+    <p:spTree>
+      <p:nvGrpSpPr>
+        <p:cNvPr id="1" name=""/>
+        <p:cNvGrpSpPr/>
+        <p:nvPr/>
+      </p:nvGrpSpPr>
+      <p:grpSpPr>
+        <a:xfrm>
+          <a:off x="0" y="0"/>
+          <a:ext cx="0" cy="0"/>
+          <a:chOff x="0" y="0"/>
+          <a:chExt cx="0" cy="0"/>
+        </a:xfrm>
+      </p:grpSpPr>
+      <p:sp>
+        <p:nvSpPr>
+          <p:cNvPr id="2" name="Title 1">
+            <a:extLst>
+              <a:ext uri="{FF2B5EF4-FFF2-40B4-BE49-F238E27FC236}">
+                <a16:creationId xmlns:a16="http://schemas.microsoft.com/office/drawing/2014/main" id="{64F19281-AF76-424D-ADE7-94D0B1DB1F04}"/>
+              </a:ext>
+            </a:extLst>
+          </p:cNvPr>
+          <p:cNvSpPr>
+            <a:spLocks noGrp="1"/>
+          </p:cNvSpPr>
+          <p:nvPr>
+            <p:ph type="title"/>
+          </p:nvPr>
+        </p:nvSpPr>
+        <p:spPr/>
+        <p:txBody>
+          <a:bodyPr/>
+          <a:lstStyle/>
+          <a:p>
+            <a:r>
+              <a:rPr lang="en-US" dirty="0">
+                <a:latin typeface="AcmeFont" pitchFamily="2" charset="0"/>
+              </a:rPr>
+              <a:t>Add text</a:t>
+            </a:r>
+            <a:endParaRPr lang="en-US" dirty="0"/>
+          </a:p>
+        </p:txBody>
+      </p:sp>
+      <p:sp>
+        <p:nvSpPr>
+          <p:cNvPr id="3" name="Content Placeholder 2">
+            <a:extLst>
+              <a:ext uri="{FF2B5EF4-FFF2-40B4-BE49-F238E27FC236}">
+                <a16:creationId xmlns:a16="http://schemas.microsoft.com/office/drawing/2014/main" id="{6208E0CE-B408-4EAF-8850-518D5F1009CB}"/>
+              </a:ext>
+            </a:extLst>
+          </p:cNvPr>
+          <p:cNvSpPr>
+            <a:spLocks noGrp="1"/>
+          </p:cNvSpPr>
+          <p:nvPr>
+            <p:ph idx="1"/>
+          </p:nvPr>
+        </p:nvSpPr>
+        <p:spPr/>
+        <p:txBody>
+          <a:bodyPr/>
+          <a:lstStyle/>
+          <a:p>
+            <a:endParaRPr lang="en-US"/>
+          </a:p>
+        </p:txBody>
+      </p:sp>
+    </p:spTree>
+    <p:extLst>
+      <p:ext uri="{BB962C8B-B14F-4D97-AF65-F5344CB8AC3E}">
+        <p14:creationId xmlns:p14="http://schemas.microsoft.com/office/powerpoint/2010/main" val="2947758526"/>
+      </p:ext>
+    </p:extLst>
+  </p:cSld>
+  <p:clrMapOvr>
+    <a:masterClrMapping/>
+  </p:clrMapOvr>
+</p:sld>
+</file>
+
+<file path=ppt/slides/slide8.xml><?xml version="1.0" encoding="utf-8"?>
+<p:sld xmlns:a="http://schemas.openxmlformats.org/drawingml/2006/main" xmlns:r="http://schemas.openxmlformats.org/officeDocument/2006/relationships" xmlns:p="http://schemas.openxmlformats.org/presentationml/2006/main">
+  <p:cSld>
+    <p:bg>
+      <p:bgPr>
+        <a:blipFill dpi="0" rotWithShape="1">
+          <a:blip r:embed="rId2">
+            <a:lum/>
+          </a:blip>
+          <a:srcRect/>
+          <a:stretch>
+            <a:fillRect/>
+          </a:stretch>
+        </a:blipFill>
+        <a:effectLst/>
+      </p:bgPr>
+    </p:bg>
+    <p:spTree>
+      <p:nvGrpSpPr>
+        <p:cNvPr id="1" name=""/>
+        <p:cNvGrpSpPr/>
+        <p:nvPr/>
+      </p:nvGrpSpPr>
+      <p:grpSpPr>
+        <a:xfrm>
+          <a:off x="0" y="0"/>
+          <a:ext cx="0" cy="0"/>
+          <a:chOff x="0" y="0"/>
+          <a:chExt cx="0" cy="0"/>
+        </a:xfrm>
+      </p:grpSpPr>
+      <p:sp>
+        <p:nvSpPr>
+          <p:cNvPr id="2" name="Title 1">
+            <a:extLst>
+              <a:ext uri="{FF2B5EF4-FFF2-40B4-BE49-F238E27FC236}">
+                <a16:creationId xmlns:a16="http://schemas.microsoft.com/office/drawing/2014/main" id="{64F19281-AF76-424D-ADE7-94D0B1DB1F04}"/>
+              </a:ext>
+            </a:extLst>
+          </p:cNvPr>
+          <p:cNvSpPr>
+            <a:spLocks noGrp="1"/>
+          </p:cNvSpPr>
+          <p:nvPr>
+            <p:ph type="title"/>
+          </p:nvPr>
+        </p:nvSpPr>
+        <p:spPr/>
+        <p:txBody>
+          <a:bodyPr/>
+          <a:lstStyle/>
+          <a:p>
+            <a:r>
+              <a:rPr lang="en-US" dirty="0">
+                <a:latin typeface="AcmeFont" pitchFamily="2" charset="0"/>
+              </a:rPr>
+              <a:t>Add text</a:t>
+            </a:r>
+            <a:endParaRPr lang="en-US" dirty="0"/>
+          </a:p>
+        </p:txBody>
+      </p:sp>
+      <p:sp>
+        <p:nvSpPr>
+          <p:cNvPr id="3" name="Content Placeholder 2">
+            <a:extLst>
+              <a:ext uri="{FF2B5EF4-FFF2-40B4-BE49-F238E27FC236}">
+                <a16:creationId xmlns:a16="http://schemas.microsoft.com/office/drawing/2014/main" id="{6208E0CE-B408-4EAF-8850-518D5F1009CB}"/>
+              </a:ext>
+            </a:extLst>
+          </p:cNvPr>
+          <p:cNvSpPr>
+            <a:spLocks noGrp="1"/>
+          </p:cNvSpPr>
+          <p:nvPr>
+            <p:ph idx="1"/>
+          </p:nvPr>
+        </p:nvSpPr>
+        <p:spPr/>
+        <p:txBody>
+          <a:bodyPr/>
+          <a:lstStyle/>
+          <a:p>
+            <a:endParaRPr lang="en-US"/>
+          </a:p>
+        </p:txBody>
+      </p:sp>
+    </p:spTree>
+    <p:extLst>
+      <p:ext uri="{BB962C8B-B14F-4D97-AF65-F5344CB8AC3E}">
+        <p14:creationId xmlns:p14="http://schemas.microsoft.com/office/powerpoint/2010/main" val="1019795130"/>
+      </p:ext>
+    </p:extLst>
+  </p:cSld>
+  <p:clrMapOvr>
+    <a:masterClrMapping/>
+  </p:clrMapOvr>
+</p:sld>
+</file>
+
+<file path=ppt/slides/slide9.xml><?xml version="1.0" encoding="utf-8"?>
+<p:sld xmlns:a="http://schemas.openxmlformats.org/drawingml/2006/main" xmlns:r="http://schemas.openxmlformats.org/officeDocument/2006/relationships" xmlns:p="http://schemas.openxmlformats.org/presentationml/2006/main">
+  <p:cSld>
+    <p:bg>
+      <p:bgPr>
+        <a:blipFill dpi="0" rotWithShape="1">
+          <a:blip r:embed="rId2">
+            <a:lum/>
+          </a:blip>
+          <a:srcRect/>
+          <a:stretch>
+            <a:fillRect/>
+          </a:stretch>
+        </a:blipFill>
+        <a:effectLst/>
+      </p:bgPr>
+    </p:bg>
+    <p:spTree>
+      <p:nvGrpSpPr>
+        <p:cNvPr id="1" name=""/>
+        <p:cNvGrpSpPr/>
+        <p:nvPr/>
+      </p:nvGrpSpPr>
+      <p:grpSpPr>
+        <a:xfrm>
+          <a:off x="0" y="0"/>
+          <a:ext cx="0" cy="0"/>
+          <a:chOff x="0" y="0"/>
+          <a:chExt cx="0" cy="0"/>
+        </a:xfrm>
+      </p:grpSpPr>
+      <p:sp>
+        <p:nvSpPr>
+          <p:cNvPr id="2" name="Title 1">
+            <a:extLst>
+              <a:ext uri="{FF2B5EF4-FFF2-40B4-BE49-F238E27FC236}">
+                <a16:creationId xmlns:a16="http://schemas.microsoft.com/office/drawing/2014/main" id="{64F19281-AF76-424D-ADE7-94D0B1DB1F04}"/>
+              </a:ext>
+            </a:extLst>
+          </p:cNvPr>
+          <p:cNvSpPr>
+            <a:spLocks noGrp="1"/>
+          </p:cNvSpPr>
+          <p:nvPr>
+            <p:ph type="title"/>
+          </p:nvPr>
+        </p:nvSpPr>
+        <p:spPr/>
+        <p:txBody>
+          <a:bodyPr/>
+          <a:lstStyle/>
+          <a:p>
+            <a:r>
+              <a:rPr lang="en-US" dirty="0">
+                <a:latin typeface="AcmeFont" pitchFamily="2" charset="0"/>
+              </a:rPr>
+              <a:t>Add text</a:t>
+            </a:r>
+            <a:endParaRPr lang="en-US" dirty="0"/>
+          </a:p>
+        </p:txBody>
+      </p:sp>
+      <p:sp>
+        <p:nvSpPr>
+          <p:cNvPr id="3" name="Content Placeholder 2">
+            <a:extLst>
+              <a:ext uri="{FF2B5EF4-FFF2-40B4-BE49-F238E27FC236}">
+                <a16:creationId xmlns:a16="http://schemas.microsoft.com/office/drawing/2014/main" id="{6208E0CE-B408-4EAF-8850-518D5F1009CB}"/>
+              </a:ext>
+            </a:extLst>
+          </p:cNvPr>
+          <p:cNvSpPr>
+            <a:spLocks noGrp="1"/>
+          </p:cNvSpPr>
+          <p:nvPr>
+            <p:ph idx="1"/>
+          </p:nvPr>
+        </p:nvSpPr>
+        <p:spPr/>
+        <p:txBody>
+          <a:bodyPr/>
+          <a:lstStyle/>
+          <a:p>
+            <a:endParaRPr lang="en-US"/>
+          </a:p>
+        </p:txBody>
+      </p:sp>
+    </p:spTree>
+    <p:extLst>
+      <p:ext uri="{BB962C8B-B14F-4D97-AF65-F5344CB8AC3E}">
+        <p14:creationId xmlns:p14="http://schemas.microsoft.com/office/powerpoint/2010/main" val="680640895"/>
       </p:ext>
     </p:extLst>
   </p:cSld>

--- a/Documents/GamePresentation1.pptx
+++ b/Documents/GamePresentation1.pptx
@@ -11,9 +11,12 @@
     <p:sldId id="263" r:id="rId5"/>
     <p:sldId id="264" r:id="rId6"/>
     <p:sldId id="262" r:id="rId7"/>
-    <p:sldId id="259" r:id="rId8"/>
-    <p:sldId id="260" r:id="rId9"/>
-    <p:sldId id="261" r:id="rId10"/>
+    <p:sldId id="265" r:id="rId8"/>
+    <p:sldId id="259" r:id="rId9"/>
+    <p:sldId id="260" r:id="rId10"/>
+    <p:sldId id="261" r:id="rId11"/>
+    <p:sldId id="266" r:id="rId12"/>
+    <p:sldId id="267" r:id="rId13"/>
   </p:sldIdLst>
   <p:sldSz cx="12192000" cy="6858000"/>
   <p:notesSz cx="6858000" cy="9144000"/>
@@ -267,7 +270,7 @@
           <a:p>
             <a:fld id="{9A2EE3D1-EA3F-4F26-B160-E14797CA48BD}" type="datetimeFigureOut">
               <a:rPr lang="en-US" smtClean="0"/>
-              <a:t>2/18/2019</a:t>
+              <a:t>2/19/2019</a:t>
             </a:fld>
             <a:endParaRPr lang="en-US"/>
           </a:p>
@@ -465,7 +468,7 @@
           <a:p>
             <a:fld id="{9A2EE3D1-EA3F-4F26-B160-E14797CA48BD}" type="datetimeFigureOut">
               <a:rPr lang="en-US" smtClean="0"/>
-              <a:t>2/18/2019</a:t>
+              <a:t>2/19/2019</a:t>
             </a:fld>
             <a:endParaRPr lang="en-US"/>
           </a:p>
@@ -673,7 +676,7 @@
           <a:p>
             <a:fld id="{9A2EE3D1-EA3F-4F26-B160-E14797CA48BD}" type="datetimeFigureOut">
               <a:rPr lang="en-US" smtClean="0"/>
-              <a:t>2/18/2019</a:t>
+              <a:t>2/19/2019</a:t>
             </a:fld>
             <a:endParaRPr lang="en-US"/>
           </a:p>
@@ -871,7 +874,7 @@
           <a:p>
             <a:fld id="{9A2EE3D1-EA3F-4F26-B160-E14797CA48BD}" type="datetimeFigureOut">
               <a:rPr lang="en-US" smtClean="0"/>
-              <a:t>2/18/2019</a:t>
+              <a:t>2/19/2019</a:t>
             </a:fld>
             <a:endParaRPr lang="en-US"/>
           </a:p>
@@ -1146,7 +1149,7 @@
           <a:p>
             <a:fld id="{9A2EE3D1-EA3F-4F26-B160-E14797CA48BD}" type="datetimeFigureOut">
               <a:rPr lang="en-US" smtClean="0"/>
-              <a:t>2/18/2019</a:t>
+              <a:t>2/19/2019</a:t>
             </a:fld>
             <a:endParaRPr lang="en-US"/>
           </a:p>
@@ -1411,7 +1414,7 @@
           <a:p>
             <a:fld id="{9A2EE3D1-EA3F-4F26-B160-E14797CA48BD}" type="datetimeFigureOut">
               <a:rPr lang="en-US" smtClean="0"/>
-              <a:t>2/18/2019</a:t>
+              <a:t>2/19/2019</a:t>
             </a:fld>
             <a:endParaRPr lang="en-US"/>
           </a:p>
@@ -1823,7 +1826,7 @@
           <a:p>
             <a:fld id="{9A2EE3D1-EA3F-4F26-B160-E14797CA48BD}" type="datetimeFigureOut">
               <a:rPr lang="en-US" smtClean="0"/>
-              <a:t>2/18/2019</a:t>
+              <a:t>2/19/2019</a:t>
             </a:fld>
             <a:endParaRPr lang="en-US"/>
           </a:p>
@@ -1964,7 +1967,7 @@
           <a:p>
             <a:fld id="{9A2EE3D1-EA3F-4F26-B160-E14797CA48BD}" type="datetimeFigureOut">
               <a:rPr lang="en-US" smtClean="0"/>
-              <a:t>2/18/2019</a:t>
+              <a:t>2/19/2019</a:t>
             </a:fld>
             <a:endParaRPr lang="en-US"/>
           </a:p>
@@ -2077,7 +2080,7 @@
           <a:p>
             <a:fld id="{9A2EE3D1-EA3F-4F26-B160-E14797CA48BD}" type="datetimeFigureOut">
               <a:rPr lang="en-US" smtClean="0"/>
-              <a:t>2/18/2019</a:t>
+              <a:t>2/19/2019</a:t>
             </a:fld>
             <a:endParaRPr lang="en-US"/>
           </a:p>
@@ -2388,7 +2391,7 @@
           <a:p>
             <a:fld id="{9A2EE3D1-EA3F-4F26-B160-E14797CA48BD}" type="datetimeFigureOut">
               <a:rPr lang="en-US" smtClean="0"/>
-              <a:t>2/18/2019</a:t>
+              <a:t>2/19/2019</a:t>
             </a:fld>
             <a:endParaRPr lang="en-US"/>
           </a:p>
@@ -2676,7 +2679,7 @@
           <a:p>
             <a:fld id="{9A2EE3D1-EA3F-4F26-B160-E14797CA48BD}" type="datetimeFigureOut">
               <a:rPr lang="en-US" smtClean="0"/>
-              <a:t>2/18/2019</a:t>
+              <a:t>2/19/2019</a:t>
             </a:fld>
             <a:endParaRPr lang="en-US"/>
           </a:p>
@@ -2917,7 +2920,7 @@
           <a:p>
             <a:fld id="{9A2EE3D1-EA3F-4F26-B160-E14797CA48BD}" type="datetimeFigureOut">
               <a:rPr lang="en-US" smtClean="0"/>
-              <a:t>2/18/2019</a:t>
+              <a:t>2/19/2019</a:t>
             </a:fld>
             <a:endParaRPr lang="en-US"/>
           </a:p>
@@ -3433,6 +3436,385 @@
 </p:sld>
 </file>
 
+<file path=ppt/slides/slide10.xml><?xml version="1.0" encoding="utf-8"?>
+<p:sld xmlns:a="http://schemas.openxmlformats.org/drawingml/2006/main" xmlns:r="http://schemas.openxmlformats.org/officeDocument/2006/relationships" xmlns:p="http://schemas.openxmlformats.org/presentationml/2006/main">
+  <p:cSld>
+    <p:bg>
+      <p:bgPr>
+        <a:blipFill dpi="0" rotWithShape="1">
+          <a:blip r:embed="rId2">
+            <a:lum/>
+          </a:blip>
+          <a:srcRect/>
+          <a:stretch>
+            <a:fillRect/>
+          </a:stretch>
+        </a:blipFill>
+        <a:effectLst/>
+      </p:bgPr>
+    </p:bg>
+    <p:spTree>
+      <p:nvGrpSpPr>
+        <p:cNvPr id="1" name=""/>
+        <p:cNvGrpSpPr/>
+        <p:nvPr/>
+      </p:nvGrpSpPr>
+      <p:grpSpPr>
+        <a:xfrm>
+          <a:off x="0" y="0"/>
+          <a:ext cx="0" cy="0"/>
+          <a:chOff x="0" y="0"/>
+          <a:chExt cx="0" cy="0"/>
+        </a:xfrm>
+      </p:grpSpPr>
+      <p:sp>
+        <p:nvSpPr>
+          <p:cNvPr id="2" name="Title 1">
+            <a:extLst>
+              <a:ext uri="{FF2B5EF4-FFF2-40B4-BE49-F238E27FC236}">
+                <a16:creationId xmlns:a16="http://schemas.microsoft.com/office/drawing/2014/main" id="{64F19281-AF76-424D-ADE7-94D0B1DB1F04}"/>
+              </a:ext>
+            </a:extLst>
+          </p:cNvPr>
+          <p:cNvSpPr>
+            <a:spLocks noGrp="1"/>
+          </p:cNvSpPr>
+          <p:nvPr>
+            <p:ph type="title"/>
+          </p:nvPr>
+        </p:nvSpPr>
+        <p:spPr/>
+        <p:txBody>
+          <a:bodyPr/>
+          <a:lstStyle/>
+          <a:p>
+            <a:r>
+              <a:rPr lang="en-US" dirty="0">
+                <a:latin typeface="AcmeFont" pitchFamily="2" charset="0"/>
+              </a:rPr>
+              <a:t>States</a:t>
+            </a:r>
+            <a:endParaRPr lang="en-US" dirty="0"/>
+          </a:p>
+        </p:txBody>
+      </p:sp>
+      <p:sp>
+        <p:nvSpPr>
+          <p:cNvPr id="3" name="Content Placeholder 2">
+            <a:extLst>
+              <a:ext uri="{FF2B5EF4-FFF2-40B4-BE49-F238E27FC236}">
+                <a16:creationId xmlns:a16="http://schemas.microsoft.com/office/drawing/2014/main" id="{6208E0CE-B408-4EAF-8850-518D5F1009CB}"/>
+              </a:ext>
+            </a:extLst>
+          </p:cNvPr>
+          <p:cNvSpPr>
+            <a:spLocks noGrp="1"/>
+          </p:cNvSpPr>
+          <p:nvPr>
+            <p:ph idx="1"/>
+          </p:nvPr>
+        </p:nvSpPr>
+        <p:spPr/>
+        <p:txBody>
+          <a:bodyPr/>
+          <a:lstStyle/>
+          <a:p>
+            <a:r>
+              <a:rPr lang="en-US" dirty="0"/>
+              <a:t>Shop State &amp; Inventory State navigation and interaction</a:t>
+            </a:r>
+          </a:p>
+          <a:p>
+            <a:r>
+              <a:rPr lang="en-US" dirty="0"/>
+              <a:t>Mini Game state plans</a:t>
+            </a:r>
+          </a:p>
+          <a:p>
+            <a:pPr lvl="1"/>
+            <a:r>
+              <a:rPr lang="en-US" dirty="0"/>
+              <a:t>Rock Paper Scissors mechanics</a:t>
+            </a:r>
+          </a:p>
+          <a:p>
+            <a:pPr lvl="1"/>
+            <a:r>
+              <a:rPr lang="en-US" dirty="0"/>
+              <a:t>High Jump Mechanics</a:t>
+            </a:r>
+          </a:p>
+          <a:p>
+            <a:pPr lvl="1"/>
+            <a:r>
+              <a:rPr lang="en-US" dirty="0"/>
+              <a:t>Astro Blaster Mechanics</a:t>
+            </a:r>
+          </a:p>
+        </p:txBody>
+      </p:sp>
+      <p:pic>
+        <p:nvPicPr>
+          <p:cNvPr id="4" name="Picture 3">
+            <a:extLst>
+              <a:ext uri="{FF2B5EF4-FFF2-40B4-BE49-F238E27FC236}">
+                <a16:creationId xmlns:a16="http://schemas.microsoft.com/office/drawing/2014/main" id="{177A70E1-11BC-431C-B28B-9BE37E8F2E99}"/>
+              </a:ext>
+            </a:extLst>
+          </p:cNvPr>
+          <p:cNvPicPr>
+            <a:picLocks noChangeAspect="1"/>
+          </p:cNvPicPr>
+          <p:nvPr/>
+        </p:nvPicPr>
+        <p:blipFill>
+          <a:blip r:embed="rId3"/>
+          <a:stretch>
+            <a:fillRect/>
+          </a:stretch>
+        </p:blipFill>
+        <p:spPr>
+          <a:xfrm>
+            <a:off x="9984193" y="388452"/>
+            <a:ext cx="2076740" cy="4191585"/>
+          </a:xfrm>
+          <a:prstGeom prst="rect">
+            <a:avLst/>
+          </a:prstGeom>
+        </p:spPr>
+      </p:pic>
+    </p:spTree>
+    <p:extLst>
+      <p:ext uri="{BB962C8B-B14F-4D97-AF65-F5344CB8AC3E}">
+        <p14:creationId xmlns:p14="http://schemas.microsoft.com/office/powerpoint/2010/main" val="680640895"/>
+      </p:ext>
+    </p:extLst>
+  </p:cSld>
+  <p:clrMapOvr>
+    <a:masterClrMapping/>
+  </p:clrMapOvr>
+</p:sld>
+</file>
+
+<file path=ppt/slides/slide11.xml><?xml version="1.0" encoding="utf-8"?>
+<p:sld xmlns:a="http://schemas.openxmlformats.org/drawingml/2006/main" xmlns:r="http://schemas.openxmlformats.org/officeDocument/2006/relationships" xmlns:p="http://schemas.openxmlformats.org/presentationml/2006/main">
+  <p:cSld>
+    <p:bg>
+      <p:bgPr>
+        <a:blipFill dpi="0" rotWithShape="1">
+          <a:blip r:embed="rId2">
+            <a:lum/>
+          </a:blip>
+          <a:srcRect/>
+          <a:stretch>
+            <a:fillRect/>
+          </a:stretch>
+        </a:blipFill>
+        <a:effectLst/>
+      </p:bgPr>
+    </p:bg>
+    <p:spTree>
+      <p:nvGrpSpPr>
+        <p:cNvPr id="1" name=""/>
+        <p:cNvGrpSpPr/>
+        <p:nvPr/>
+      </p:nvGrpSpPr>
+      <p:grpSpPr>
+        <a:xfrm>
+          <a:off x="0" y="0"/>
+          <a:ext cx="0" cy="0"/>
+          <a:chOff x="0" y="0"/>
+          <a:chExt cx="0" cy="0"/>
+        </a:xfrm>
+      </p:grpSpPr>
+      <p:sp>
+        <p:nvSpPr>
+          <p:cNvPr id="2" name="Title 1">
+            <a:extLst>
+              <a:ext uri="{FF2B5EF4-FFF2-40B4-BE49-F238E27FC236}">
+                <a16:creationId xmlns:a16="http://schemas.microsoft.com/office/drawing/2014/main" id="{64F19281-AF76-424D-ADE7-94D0B1DB1F04}"/>
+              </a:ext>
+            </a:extLst>
+          </p:cNvPr>
+          <p:cNvSpPr>
+            <a:spLocks noGrp="1"/>
+          </p:cNvSpPr>
+          <p:nvPr>
+            <p:ph type="title"/>
+          </p:nvPr>
+        </p:nvSpPr>
+        <p:spPr/>
+        <p:txBody>
+          <a:bodyPr/>
+          <a:lstStyle/>
+          <a:p>
+            <a:r>
+              <a:rPr lang="en-US" dirty="0">
+                <a:latin typeface="AcmeFont" pitchFamily="2" charset="0"/>
+              </a:rPr>
+              <a:t>Screen Flow</a:t>
+            </a:r>
+            <a:endParaRPr lang="en-US" dirty="0"/>
+          </a:p>
+        </p:txBody>
+      </p:sp>
+      <p:pic>
+        <p:nvPicPr>
+          <p:cNvPr id="6" name="Picture 5">
+            <a:extLst>
+              <a:ext uri="{FF2B5EF4-FFF2-40B4-BE49-F238E27FC236}">
+                <a16:creationId xmlns:a16="http://schemas.microsoft.com/office/drawing/2014/main" id="{881BA38C-B831-4FBC-960C-8679BA9102F2}"/>
+              </a:ext>
+            </a:extLst>
+          </p:cNvPr>
+          <p:cNvPicPr>
+            <a:picLocks noChangeAspect="1"/>
+          </p:cNvPicPr>
+          <p:nvPr/>
+        </p:nvPicPr>
+        <p:blipFill>
+          <a:blip r:embed="rId3">
+            <a:extLst>
+              <a:ext uri="{28A0092B-C50C-407E-A947-70E740481C1C}">
+                <a14:useLocalDpi xmlns:a14="http://schemas.microsoft.com/office/drawing/2010/main" val="0"/>
+              </a:ext>
+            </a:extLst>
+          </a:blip>
+          <a:stretch>
+            <a:fillRect/>
+          </a:stretch>
+        </p:blipFill>
+        <p:spPr>
+          <a:xfrm>
+            <a:off x="169240" y="2245595"/>
+            <a:ext cx="11853520" cy="2963380"/>
+          </a:xfrm>
+          <a:prstGeom prst="rect">
+            <a:avLst/>
+          </a:prstGeom>
+        </p:spPr>
+      </p:pic>
+    </p:spTree>
+    <p:extLst>
+      <p:ext uri="{BB962C8B-B14F-4D97-AF65-F5344CB8AC3E}">
+        <p14:creationId xmlns:p14="http://schemas.microsoft.com/office/powerpoint/2010/main" val="2594766345"/>
+      </p:ext>
+    </p:extLst>
+  </p:cSld>
+  <p:clrMapOvr>
+    <a:masterClrMapping/>
+  </p:clrMapOvr>
+</p:sld>
+</file>
+
+<file path=ppt/slides/slide12.xml><?xml version="1.0" encoding="utf-8"?>
+<p:sld xmlns:a="http://schemas.openxmlformats.org/drawingml/2006/main" xmlns:r="http://schemas.openxmlformats.org/officeDocument/2006/relationships" xmlns:p="http://schemas.openxmlformats.org/presentationml/2006/main">
+  <p:cSld>
+    <p:bg>
+      <p:bgPr>
+        <a:blipFill dpi="0" rotWithShape="1">
+          <a:blip r:embed="rId2">
+            <a:lum/>
+          </a:blip>
+          <a:srcRect/>
+          <a:stretch>
+            <a:fillRect/>
+          </a:stretch>
+        </a:blipFill>
+        <a:effectLst/>
+      </p:bgPr>
+    </p:bg>
+    <p:spTree>
+      <p:nvGrpSpPr>
+        <p:cNvPr id="1" name=""/>
+        <p:cNvGrpSpPr/>
+        <p:nvPr/>
+      </p:nvGrpSpPr>
+      <p:grpSpPr>
+        <a:xfrm>
+          <a:off x="0" y="0"/>
+          <a:ext cx="0" cy="0"/>
+          <a:chOff x="0" y="0"/>
+          <a:chExt cx="0" cy="0"/>
+        </a:xfrm>
+      </p:grpSpPr>
+      <p:sp>
+        <p:nvSpPr>
+          <p:cNvPr id="2" name="Title 1">
+            <a:extLst>
+              <a:ext uri="{FF2B5EF4-FFF2-40B4-BE49-F238E27FC236}">
+                <a16:creationId xmlns:a16="http://schemas.microsoft.com/office/drawing/2014/main" id="{3C5BD7A8-19E5-487F-8D03-F059F4DCCA0D}"/>
+              </a:ext>
+            </a:extLst>
+          </p:cNvPr>
+          <p:cNvSpPr>
+            <a:spLocks noGrp="1"/>
+          </p:cNvSpPr>
+          <p:nvPr>
+            <p:ph type="title"/>
+          </p:nvPr>
+        </p:nvSpPr>
+        <p:spPr>
+          <a:xfrm>
+            <a:off x="831850" y="76872"/>
+            <a:ext cx="10515600" cy="2852737"/>
+          </a:xfrm>
+        </p:spPr>
+        <p:txBody>
+          <a:bodyPr/>
+          <a:lstStyle/>
+          <a:p>
+            <a:pPr algn="ctr"/>
+            <a:r>
+              <a:rPr lang="en-US" b="1" dirty="0"/>
+              <a:t>Thanks for Listening!</a:t>
+            </a:r>
+          </a:p>
+        </p:txBody>
+      </p:sp>
+      <p:pic>
+        <p:nvPicPr>
+          <p:cNvPr id="5" name="Picture 4">
+            <a:extLst>
+              <a:ext uri="{FF2B5EF4-FFF2-40B4-BE49-F238E27FC236}">
+                <a16:creationId xmlns:a16="http://schemas.microsoft.com/office/drawing/2014/main" id="{A799C3F7-7A35-48FF-BA63-80C7CFF8513E}"/>
+              </a:ext>
+            </a:extLst>
+          </p:cNvPr>
+          <p:cNvPicPr>
+            <a:picLocks noChangeAspect="1"/>
+          </p:cNvPicPr>
+          <p:nvPr/>
+        </p:nvPicPr>
+        <p:blipFill>
+          <a:blip r:embed="rId3"/>
+          <a:stretch>
+            <a:fillRect/>
+          </a:stretch>
+        </p:blipFill>
+        <p:spPr>
+          <a:xfrm>
+            <a:off x="4876630" y="4419260"/>
+            <a:ext cx="2438740" cy="2438740"/>
+          </a:xfrm>
+          <a:prstGeom prst="rect">
+            <a:avLst/>
+          </a:prstGeom>
+        </p:spPr>
+      </p:pic>
+    </p:spTree>
+    <p:extLst>
+      <p:ext uri="{BB962C8B-B14F-4D97-AF65-F5344CB8AC3E}">
+        <p14:creationId xmlns:p14="http://schemas.microsoft.com/office/powerpoint/2010/main" val="1102153162"/>
+      </p:ext>
+    </p:extLst>
+  </p:cSld>
+  <p:clrMapOvr>
+    <a:masterClrMapping/>
+  </p:clrMapOvr>
+</p:sld>
+</file>
+
 <file path=ppt/slides/slide2.xml><?xml version="1.0" encoding="utf-8"?>
 <p:sld xmlns:a="http://schemas.openxmlformats.org/drawingml/2006/main" xmlns:r="http://schemas.openxmlformats.org/officeDocument/2006/relationships" xmlns:p="http://schemas.openxmlformats.org/presentationml/2006/main">
   <p:cSld>
@@ -3703,6 +4085,7 @@
               <a:rPr lang="en-US" sz="2000" dirty="0"/>
               <a:t>Weight</a:t>
             </a:r>
+            <a:endParaRPr lang="en-US" sz="2400" dirty="0"/>
           </a:p>
           <a:p>
             <a:r>
@@ -4719,7 +5102,7 @@
         </p:blipFill>
         <p:spPr>
           <a:xfrm>
-            <a:off x="9290179" y="1146110"/>
+            <a:off x="9365680" y="2312179"/>
             <a:ext cx="2438400" cy="2438400"/>
           </a:xfrm>
           <a:prstGeom prst="rect">
@@ -4755,7 +5138,7 @@
         </p:blipFill>
         <p:spPr>
           <a:xfrm>
-            <a:off x="9752822" y="101082"/>
+            <a:off x="9828323" y="1267151"/>
             <a:ext cx="1513114" cy="1513114"/>
           </a:xfrm>
           <a:prstGeom prst="rect">
@@ -4832,7 +5215,7 @@
               <a:rPr lang="en-US" dirty="0">
                 <a:latin typeface="AcmeFont" pitchFamily="2" charset="0"/>
               </a:rPr>
-              <a:t>Add text</a:t>
+              <a:t>Items and Shopping</a:t>
             </a:r>
             <a:endParaRPr lang="en-US" dirty="0"/>
           </a:p>
@@ -4854,15 +5237,162 @@
             <p:ph idx="1"/>
           </p:nvPr>
         </p:nvSpPr>
-        <p:spPr/>
-        <p:txBody>
-          <a:bodyPr/>
-          <a:lstStyle/>
-          <a:p>
-            <a:endParaRPr lang="en-US"/>
-          </a:p>
-        </p:txBody>
-      </p:sp>
+        <p:spPr>
+          <a:xfrm>
+            <a:off x="838200" y="1825625"/>
+            <a:ext cx="9010475" cy="4351338"/>
+          </a:xfrm>
+        </p:spPr>
+        <p:txBody>
+          <a:bodyPr/>
+          <a:lstStyle/>
+          <a:p>
+            <a:r>
+              <a:rPr lang="en-US" dirty="0"/>
+              <a:t>The money you earn from games can be used to buy items from the store</a:t>
+            </a:r>
+          </a:p>
+          <a:p>
+            <a:r>
+              <a:rPr lang="en-US" dirty="0"/>
+              <a:t>Items are always 2 random food items and 1 medicine</a:t>
+            </a:r>
+          </a:p>
+          <a:p>
+            <a:r>
+              <a:rPr lang="en-US" dirty="0"/>
+              <a:t>Buying food items makes shop keeper Tubba restock his goods with something new</a:t>
+            </a:r>
+          </a:p>
+          <a:p>
+            <a:r>
+              <a:rPr lang="en-US" dirty="0"/>
+              <a:t>Tubba also restocks occasionally as time passes</a:t>
+            </a:r>
+          </a:p>
+        </p:txBody>
+      </p:sp>
+      <p:pic>
+        <p:nvPicPr>
+          <p:cNvPr id="5" name="Picture 4">
+            <a:extLst>
+              <a:ext uri="{FF2B5EF4-FFF2-40B4-BE49-F238E27FC236}">
+                <a16:creationId xmlns:a16="http://schemas.microsoft.com/office/drawing/2014/main" id="{3FD4A3EC-5F15-44FB-AE13-231E7B37E39F}"/>
+              </a:ext>
+            </a:extLst>
+          </p:cNvPr>
+          <p:cNvPicPr>
+            <a:picLocks noChangeAspect="1"/>
+          </p:cNvPicPr>
+          <p:nvPr/>
+        </p:nvPicPr>
+        <p:blipFill>
+          <a:blip r:embed="rId3">
+            <a:extLst>
+              <a:ext uri="{28A0092B-C50C-407E-A947-70E740481C1C}">
+                <a14:useLocalDpi xmlns:a14="http://schemas.microsoft.com/office/drawing/2010/main" val="0"/>
+              </a:ext>
+            </a:extLst>
+          </a:blip>
+          <a:stretch>
+            <a:fillRect/>
+          </a:stretch>
+        </p:blipFill>
+        <p:spPr>
+          <a:xfrm flipH="1">
+            <a:off x="6722376" y="4419600"/>
+            <a:ext cx="2438400" cy="2438400"/>
+          </a:xfrm>
+          <a:prstGeom prst="rect">
+            <a:avLst/>
+          </a:prstGeom>
+        </p:spPr>
+      </p:pic>
+      <p:sp>
+        <p:nvSpPr>
+          <p:cNvPr id="6" name="TextBox 5">
+            <a:extLst>
+              <a:ext uri="{FF2B5EF4-FFF2-40B4-BE49-F238E27FC236}">
+                <a16:creationId xmlns:a16="http://schemas.microsoft.com/office/drawing/2014/main" id="{3BD158E7-F049-41FA-A17C-35C6D2434E7C}"/>
+              </a:ext>
+            </a:extLst>
+          </p:cNvPr>
+          <p:cNvSpPr txBox="1"/>
+          <p:nvPr/>
+        </p:nvSpPr>
+        <p:spPr>
+          <a:xfrm>
+            <a:off x="10066789" y="4419600"/>
+            <a:ext cx="849913" cy="369332"/>
+          </a:xfrm>
+          <a:prstGeom prst="rect">
+            <a:avLst/>
+          </a:prstGeom>
+          <a:noFill/>
+        </p:spPr>
+        <p:txBody>
+          <a:bodyPr wrap="none" rtlCol="0">
+            <a:spAutoFit/>
+          </a:bodyPr>
+          <a:lstStyle/>
+          <a:p>
+            <a:r>
+              <a:rPr lang="en-US" dirty="0">
+                <a:solidFill>
+                  <a:srgbClr val="FF0000"/>
+                </a:solidFill>
+                <a:latin typeface="Berlin Sans FB Demi" panose="020E0802020502020306" pitchFamily="34" charset="0"/>
+              </a:rPr>
+              <a:t>Tubba</a:t>
+            </a:r>
+          </a:p>
+        </p:txBody>
+      </p:sp>
+      <p:cxnSp>
+        <p:nvCxnSpPr>
+          <p:cNvPr id="8" name="Straight Arrow Connector 7">
+            <a:extLst>
+              <a:ext uri="{FF2B5EF4-FFF2-40B4-BE49-F238E27FC236}">
+                <a16:creationId xmlns:a16="http://schemas.microsoft.com/office/drawing/2014/main" id="{F584674A-F8A5-438A-8A85-FDC90434CB36}"/>
+              </a:ext>
+            </a:extLst>
+          </p:cNvPr>
+          <p:cNvCxnSpPr>
+            <a:cxnSpLocks/>
+          </p:cNvCxnSpPr>
+          <p:nvPr/>
+        </p:nvCxnSpPr>
+        <p:spPr>
+          <a:xfrm flipH="1">
+            <a:off x="8925887" y="4697835"/>
+            <a:ext cx="1241570" cy="847288"/>
+          </a:xfrm>
+          <a:prstGeom prst="straightConnector1">
+            <a:avLst/>
+          </a:prstGeom>
+          <a:ln w="57150">
+            <a:solidFill>
+              <a:srgbClr val="FF0000"/>
+            </a:solidFill>
+            <a:headEnd type="none" w="med" len="med"/>
+            <a:tailEnd type="arrow" w="med" len="med"/>
+          </a:ln>
+        </p:spPr>
+        <p:style>
+          <a:lnRef idx="3">
+            <a:schemeClr val="accent2"/>
+          </a:lnRef>
+          <a:fillRef idx="0">
+            <a:schemeClr val="accent2"/>
+          </a:fillRef>
+          <a:effectRef idx="2">
+            <a:schemeClr val="accent2"/>
+          </a:effectRef>
+          <a:fontRef idx="minor">
+            <a:schemeClr val="tx1"/>
+          </a:fontRef>
+        </p:style>
+      </p:cxnSp>
     </p:spTree>
     <p:extLst>
       <p:ext uri="{BB962C8B-B14F-4D97-AF65-F5344CB8AC3E}">
@@ -4912,7 +5442,7 @@
           <p:cNvPr id="2" name="Title 1">
             <a:extLst>
               <a:ext uri="{FF2B5EF4-FFF2-40B4-BE49-F238E27FC236}">
-                <a16:creationId xmlns:a16="http://schemas.microsoft.com/office/drawing/2014/main" id="{64F19281-AF76-424D-ADE7-94D0B1DB1F04}"/>
+                <a16:creationId xmlns:a16="http://schemas.microsoft.com/office/drawing/2014/main" id="{3C5BD7A8-19E5-487F-8D03-F059F4DCCA0D}"/>
               </a:ext>
             </a:extLst>
           </p:cNvPr>
@@ -4923,50 +5453,28 @@
             <p:ph type="title"/>
           </p:nvPr>
         </p:nvSpPr>
-        <p:spPr/>
-        <p:txBody>
-          <a:bodyPr/>
-          <a:lstStyle/>
-          <a:p>
-            <a:r>
-              <a:rPr lang="en-US" dirty="0">
-                <a:latin typeface="AcmeFont" pitchFamily="2" charset="0"/>
-              </a:rPr>
-              <a:t>Add text</a:t>
-            </a:r>
-            <a:endParaRPr lang="en-US" dirty="0"/>
-          </a:p>
-        </p:txBody>
-      </p:sp>
-      <p:sp>
-        <p:nvSpPr>
-          <p:cNvPr id="3" name="Content Placeholder 2">
-            <a:extLst>
-              <a:ext uri="{FF2B5EF4-FFF2-40B4-BE49-F238E27FC236}">
-                <a16:creationId xmlns:a16="http://schemas.microsoft.com/office/drawing/2014/main" id="{6208E0CE-B408-4EAF-8850-518D5F1009CB}"/>
-              </a:ext>
-            </a:extLst>
-          </p:cNvPr>
-          <p:cNvSpPr>
-            <a:spLocks noGrp="1"/>
-          </p:cNvSpPr>
-          <p:nvPr>
-            <p:ph idx="1"/>
-          </p:nvPr>
-        </p:nvSpPr>
-        <p:spPr/>
-        <p:txBody>
-          <a:bodyPr/>
-          <a:lstStyle/>
-          <a:p>
-            <a:endParaRPr lang="en-US"/>
+        <p:spPr>
+          <a:xfrm>
+            <a:off x="831850" y="76872"/>
+            <a:ext cx="10515600" cy="2852737"/>
+          </a:xfrm>
+        </p:spPr>
+        <p:txBody>
+          <a:bodyPr/>
+          <a:lstStyle/>
+          <a:p>
+            <a:pPr algn="ctr"/>
+            <a:r>
+              <a:rPr lang="en-US" dirty="0"/>
+              <a:t>Code Concepts</a:t>
+            </a:r>
           </a:p>
         </p:txBody>
       </p:sp>
     </p:spTree>
     <p:extLst>
       <p:ext uri="{BB962C8B-B14F-4D97-AF65-F5344CB8AC3E}">
-        <p14:creationId xmlns:p14="http://schemas.microsoft.com/office/powerpoint/2010/main" val="2947758526"/>
+        <p14:creationId xmlns:p14="http://schemas.microsoft.com/office/powerpoint/2010/main" val="828621687"/>
       </p:ext>
     </p:extLst>
   </p:cSld>
@@ -5032,7 +5540,7 @@
               <a:rPr lang="en-US" dirty="0">
                 <a:latin typeface="AcmeFont" pitchFamily="2" charset="0"/>
               </a:rPr>
-              <a:t>Add text</a:t>
+              <a:t>Pet Class</a:t>
             </a:r>
             <a:endParaRPr lang="en-US" dirty="0"/>
           </a:p>
@@ -5054,19 +5562,107 @@
             <p:ph idx="1"/>
           </p:nvPr>
         </p:nvSpPr>
-        <p:spPr/>
-        <p:txBody>
-          <a:bodyPr/>
-          <a:lstStyle/>
-          <a:p>
-            <a:endParaRPr lang="en-US"/>
-          </a:p>
-        </p:txBody>
-      </p:sp>
+        <p:spPr>
+          <a:xfrm>
+            <a:off x="838200" y="1825625"/>
+            <a:ext cx="10515600" cy="3819395"/>
+          </a:xfrm>
+        </p:spPr>
+        <p:txBody>
+          <a:bodyPr>
+            <a:normAutofit lnSpcReduction="10000"/>
+          </a:bodyPr>
+          <a:lstStyle/>
+          <a:p>
+            <a:r>
+              <a:rPr lang="en-US" dirty="0"/>
+              <a:t>Idle animation functionality</a:t>
+            </a:r>
+          </a:p>
+          <a:p>
+            <a:r>
+              <a:rPr lang="en-US" dirty="0"/>
+              <a:t>Time functionality</a:t>
+            </a:r>
+          </a:p>
+          <a:p>
+            <a:r>
+              <a:rPr lang="en-US" dirty="0"/>
+              <a:t>Stats</a:t>
+            </a:r>
+          </a:p>
+          <a:p>
+            <a:r>
+              <a:rPr lang="en-US" dirty="0"/>
+              <a:t>Inventory</a:t>
+            </a:r>
+          </a:p>
+          <a:p>
+            <a:r>
+              <a:rPr lang="en-US" dirty="0"/>
+              <a:t>Feeding Method</a:t>
+            </a:r>
+          </a:p>
+          <a:p>
+            <a:r>
+              <a:rPr lang="en-US" dirty="0"/>
+              <a:t>Die</a:t>
+            </a:r>
+          </a:p>
+          <a:p>
+            <a:r>
+              <a:rPr lang="en-US" dirty="0"/>
+              <a:t>Sleep and Wake up</a:t>
+            </a:r>
+          </a:p>
+          <a:p>
+            <a:r>
+              <a:rPr lang="en-US" dirty="0"/>
+              <a:t>Evolve</a:t>
+            </a:r>
+          </a:p>
+          <a:p>
+            <a:endParaRPr lang="en-US" dirty="0"/>
+          </a:p>
+          <a:p>
+            <a:endParaRPr lang="en-US" dirty="0"/>
+          </a:p>
+        </p:txBody>
+      </p:sp>
+      <p:pic>
+        <p:nvPicPr>
+          <p:cNvPr id="4" name="Picture 3">
+            <a:extLst>
+              <a:ext uri="{FF2B5EF4-FFF2-40B4-BE49-F238E27FC236}">
+                <a16:creationId xmlns:a16="http://schemas.microsoft.com/office/drawing/2014/main" id="{BB272342-EAA0-4F64-95E5-8C765355B2D8}"/>
+              </a:ext>
+            </a:extLst>
+          </p:cNvPr>
+          <p:cNvPicPr>
+            <a:picLocks noChangeAspect="1"/>
+          </p:cNvPicPr>
+          <p:nvPr/>
+        </p:nvPicPr>
+        <p:blipFill>
+          <a:blip r:embed="rId3"/>
+          <a:stretch>
+            <a:fillRect/>
+          </a:stretch>
+        </p:blipFill>
+        <p:spPr>
+          <a:xfrm>
+            <a:off x="9632057" y="555963"/>
+            <a:ext cx="1752845" cy="5372850"/>
+          </a:xfrm>
+          <a:prstGeom prst="rect">
+            <a:avLst/>
+          </a:prstGeom>
+        </p:spPr>
+      </p:pic>
     </p:spTree>
     <p:extLst>
       <p:ext uri="{BB962C8B-B14F-4D97-AF65-F5344CB8AC3E}">
-        <p14:creationId xmlns:p14="http://schemas.microsoft.com/office/powerpoint/2010/main" val="1019795130"/>
+        <p14:creationId xmlns:p14="http://schemas.microsoft.com/office/powerpoint/2010/main" val="2947758526"/>
       </p:ext>
     </p:extLst>
   </p:cSld>
@@ -5132,7 +5728,7 @@
               <a:rPr lang="en-US" dirty="0">
                 <a:latin typeface="AcmeFont" pitchFamily="2" charset="0"/>
               </a:rPr>
-              <a:t>Add text</a:t>
+              <a:t>Inventory</a:t>
             </a:r>
             <a:endParaRPr lang="en-US" dirty="0"/>
           </a:p>
@@ -5159,14 +5755,70 @@
           <a:bodyPr/>
           <a:lstStyle/>
           <a:p>
-            <a:endParaRPr lang="en-US"/>
-          </a:p>
-        </p:txBody>
-      </p:sp>
+            <a:r>
+              <a:rPr lang="en-US" dirty="0"/>
+              <a:t>Inventory is used both by Pet and </a:t>
+            </a:r>
+            <a:r>
+              <a:rPr lang="en-US" dirty="0" err="1"/>
+              <a:t>ShopState</a:t>
+            </a:r>
+            <a:endParaRPr lang="en-US" dirty="0"/>
+          </a:p>
+          <a:p>
+            <a:r>
+              <a:rPr lang="en-US" dirty="0"/>
+              <a:t>Item IDs</a:t>
+            </a:r>
+          </a:p>
+          <a:p>
+            <a:r>
+              <a:rPr lang="en-US" dirty="0"/>
+              <a:t>Food Stats</a:t>
+            </a:r>
+          </a:p>
+          <a:p>
+            <a:r>
+              <a:rPr lang="en-US" dirty="0"/>
+              <a:t>Inventory Management</a:t>
+            </a:r>
+          </a:p>
+        </p:txBody>
+      </p:sp>
+      <p:pic>
+        <p:nvPicPr>
+          <p:cNvPr id="4" name="Picture 3">
+            <a:extLst>
+              <a:ext uri="{FF2B5EF4-FFF2-40B4-BE49-F238E27FC236}">
+                <a16:creationId xmlns:a16="http://schemas.microsoft.com/office/drawing/2014/main" id="{B8B47232-3146-45F8-B9F4-F65C0D5F4CEF}"/>
+              </a:ext>
+            </a:extLst>
+          </p:cNvPr>
+          <p:cNvPicPr>
+            <a:picLocks noChangeAspect="1"/>
+          </p:cNvPicPr>
+          <p:nvPr/>
+        </p:nvPicPr>
+        <p:blipFill>
+          <a:blip r:embed="rId3"/>
+          <a:stretch>
+            <a:fillRect/>
+          </a:stretch>
+        </p:blipFill>
+        <p:spPr>
+          <a:xfrm>
+            <a:off x="10178309" y="1164474"/>
+            <a:ext cx="1800476" cy="4267796"/>
+          </a:xfrm>
+          <a:prstGeom prst="rect">
+            <a:avLst/>
+          </a:prstGeom>
+        </p:spPr>
+      </p:pic>
     </p:spTree>
     <p:extLst>
       <p:ext uri="{BB962C8B-B14F-4D97-AF65-F5344CB8AC3E}">
-        <p14:creationId xmlns:p14="http://schemas.microsoft.com/office/powerpoint/2010/main" val="680640895"/>
+        <p14:creationId xmlns:p14="http://schemas.microsoft.com/office/powerpoint/2010/main" val="1019795130"/>
       </p:ext>
     </p:extLst>
   </p:cSld>

--- a/Documents/GamePresentation1.pptx
+++ b/Documents/GamePresentation1.pptx
@@ -4096,7 +4096,7 @@
           <a:p>
             <a:r>
               <a:rPr lang="en-US" sz="2400" dirty="0"/>
-              <a:t>Playing feeding and playing games with your pet will raise these stats</a:t>
+              <a:t>Feeding and playing games with your pet will raise these stats</a:t>
             </a:r>
           </a:p>
           <a:p>
